--- a/Controlled Documents/Usability Engineering File/Interview_diagrammer.pptx
+++ b/Controlled Documents/Usability Engineering File/Interview_diagrammer.pptx
@@ -8,7 +8,7 @@
     <p:sldId id="256" r:id="rId2"/>
     <p:sldId id="262" r:id="rId3"/>
     <p:sldId id="257" r:id="rId4"/>
-    <p:sldId id="263" r:id="rId5"/>
+    <p:sldId id="269" r:id="rId5"/>
     <p:sldId id="258" r:id="rId6"/>
     <p:sldId id="268" r:id="rId7"/>
     <p:sldId id="260" r:id="rId8"/>
@@ -113,6 +113,11 @@
       </a:defRPr>
     </a:lvl9pPr>
   </p:defaultTextStyle>
+  <p:extLst>
+    <p:ext uri="{EFAFB233-063F-42B5-8137-9DF3F51BA10A}">
+      <p15:sldGuideLst xmlns:p15="http://schemas.microsoft.com/office/powerpoint/2012/main"/>
+    </p:ext>
+  </p:extLst>
 </p:presentation>
 </file>
 
@@ -4675,6 +4680,748 @@
   <c:roundedCorners val="0"/>
   <mc:AlternateContent xmlns:mc="http://schemas.openxmlformats.org/markup-compatibility/2006">
     <mc:Choice xmlns:c14="http://schemas.microsoft.com/office/drawing/2007/8/2/chart" Requires="c14">
+      <c14:style val="101"/>
+    </mc:Choice>
+    <mc:Fallback>
+      <c:style val="1"/>
+    </mc:Fallback>
+  </mc:AlternateContent>
+  <c:chart>
+    <c:title>
+      <c:tx>
+        <c:rich>
+          <a:bodyPr rot="0" spcFirstLastPara="1" vertOverflow="ellipsis" vert="horz" wrap="square" anchor="ctr" anchorCtr="1"/>
+          <a:lstStyle/>
+          <a:p>
+            <a:pPr>
+              <a:defRPr sz="1800" b="1" i="0" u="none" strike="noStrike" kern="1200" cap="all" spc="150" baseline="0">
+                <a:solidFill>
+                  <a:schemeClr val="tx1">
+                    <a:lumMod val="50000"/>
+                    <a:lumOff val="50000"/>
+                  </a:schemeClr>
+                </a:solidFill>
+                <a:latin typeface="+mn-lt"/>
+                <a:ea typeface="+mn-ea"/>
+                <a:cs typeface="+mn-cs"/>
+              </a:defRPr>
+            </a:pPr>
+            <a:r>
+              <a:rPr lang="en-US" sz="1800" b="0" i="0" u="none" strike="noStrike" kern="1200" spc="0" baseline="0">
+                <a:solidFill>
+                  <a:sysClr val="windowText" lastClr="000000">
+                    <a:lumMod val="65000"/>
+                    <a:lumOff val="35000"/>
+                  </a:sysClr>
+                </a:solidFill>
+              </a:rPr>
+              <a:t>On-demand stimulation med uheld</a:t>
+            </a:r>
+          </a:p>
+        </c:rich>
+      </c:tx>
+      <c:overlay val="0"/>
+      <c:spPr>
+        <a:noFill/>
+        <a:ln>
+          <a:noFill/>
+        </a:ln>
+        <a:effectLst/>
+      </c:spPr>
+      <c:txPr>
+        <a:bodyPr rot="0" spcFirstLastPara="1" vertOverflow="ellipsis" vert="horz" wrap="square" anchor="ctr" anchorCtr="1"/>
+        <a:lstStyle/>
+        <a:p>
+          <a:pPr>
+            <a:defRPr sz="1800" b="1" i="0" u="none" strike="noStrike" kern="1200" cap="all" spc="150" baseline="0">
+              <a:solidFill>
+                <a:schemeClr val="tx1">
+                  <a:lumMod val="50000"/>
+                  <a:lumOff val="50000"/>
+                </a:schemeClr>
+              </a:solidFill>
+              <a:latin typeface="+mn-lt"/>
+              <a:ea typeface="+mn-ea"/>
+              <a:cs typeface="+mn-cs"/>
+            </a:defRPr>
+          </a:pPr>
+          <a:endParaRPr lang="da-DK"/>
+        </a:p>
+      </c:txPr>
+    </c:title>
+    <c:autoTitleDeleted val="0"/>
+    <c:plotArea>
+      <c:layout/>
+      <c:barChart>
+        <c:barDir val="col"/>
+        <c:grouping val="clustered"/>
+        <c:varyColors val="0"/>
+        <c:ser>
+          <c:idx val="0"/>
+          <c:order val="0"/>
+          <c:tx>
+            <c:strRef>
+              <c:f>DailyAvgBarWAccident!$A$1</c:f>
+              <c:strCache>
+                <c:ptCount val="1"/>
+                <c:pt idx="0">
+                  <c:v>Stimulation</c:v>
+                </c:pt>
+              </c:strCache>
+            </c:strRef>
+          </c:tx>
+          <c:spPr>
+            <a:pattFill prst="narHorz">
+              <a:fgClr>
+                <a:schemeClr val="dk1">
+                  <a:tint val="88500"/>
+                </a:schemeClr>
+              </a:fgClr>
+              <a:bgClr>
+                <a:schemeClr val="dk1">
+                  <a:tint val="88500"/>
+                  <a:lumMod val="20000"/>
+                  <a:lumOff val="80000"/>
+                </a:schemeClr>
+              </a:bgClr>
+            </a:pattFill>
+            <a:ln>
+              <a:noFill/>
+            </a:ln>
+            <a:effectLst>
+              <a:innerShdw blurRad="114300">
+                <a:schemeClr val="dk1">
+                  <a:tint val="88500"/>
+                </a:schemeClr>
+              </a:innerShdw>
+            </a:effectLst>
+          </c:spPr>
+          <c:invertIfNegative val="0"/>
+          <c:dLbls>
+            <c:spPr>
+              <a:noFill/>
+              <a:ln>
+                <a:noFill/>
+              </a:ln>
+              <a:effectLst/>
+            </c:spPr>
+            <c:txPr>
+              <a:bodyPr rot="0" spcFirstLastPara="1" vertOverflow="ellipsis" vert="horz" wrap="square" lIns="38100" tIns="19050" rIns="38100" bIns="19050" anchor="ctr" anchorCtr="1">
+                <a:spAutoFit/>
+              </a:bodyPr>
+              <a:lstStyle/>
+              <a:p>
+                <a:pPr>
+                  <a:defRPr sz="900" b="0" i="0" u="none" strike="noStrike" kern="1200" baseline="0">
+                    <a:solidFill>
+                      <a:schemeClr val="tx1">
+                        <a:lumMod val="75000"/>
+                        <a:lumOff val="25000"/>
+                      </a:schemeClr>
+                    </a:solidFill>
+                    <a:latin typeface="+mn-lt"/>
+                    <a:ea typeface="+mn-ea"/>
+                    <a:cs typeface="+mn-cs"/>
+                  </a:defRPr>
+                </a:pPr>
+                <a:endParaRPr lang="da-DK"/>
+              </a:p>
+            </c:txPr>
+            <c:dLblPos val="outEnd"/>
+            <c:showLegendKey val="0"/>
+            <c:showVal val="1"/>
+            <c:showCatName val="0"/>
+            <c:showSerName val="0"/>
+            <c:showPercent val="0"/>
+            <c:showBubbleSize val="0"/>
+            <c:showLeaderLines val="0"/>
+            <c:extLst>
+              <c:ext xmlns:c15="http://schemas.microsoft.com/office/drawing/2012/chart" uri="{CE6537A1-D6FC-4f65-9D91-7224C49458BB}">
+                <c15:showLeaderLines val="1"/>
+                <c15:leaderLines>
+                  <c:spPr>
+                    <a:ln w="9525">
+                      <a:solidFill>
+                        <a:schemeClr val="tx1">
+                          <a:lumMod val="35000"/>
+                          <a:lumOff val="65000"/>
+                        </a:schemeClr>
+                      </a:solidFill>
+                    </a:ln>
+                    <a:effectLst/>
+                  </c:spPr>
+                </c15:leaderLines>
+              </c:ext>
+            </c:extLst>
+          </c:dLbls>
+          <c:val>
+            <c:numRef>
+              <c:f>DailyAvgBarWAccident!$A$2:$A$25</c:f>
+              <c:numCache>
+                <c:formatCode>General</c:formatCode>
+                <c:ptCount val="24"/>
+                <c:pt idx="0">
+                  <c:v>0</c:v>
+                </c:pt>
+                <c:pt idx="1">
+                  <c:v>0</c:v>
+                </c:pt>
+                <c:pt idx="2">
+                  <c:v>0</c:v>
+                </c:pt>
+                <c:pt idx="3">
+                  <c:v>1</c:v>
+                </c:pt>
+                <c:pt idx="4">
+                  <c:v>0</c:v>
+                </c:pt>
+                <c:pt idx="5">
+                  <c:v>0</c:v>
+                </c:pt>
+                <c:pt idx="6">
+                  <c:v>1</c:v>
+                </c:pt>
+                <c:pt idx="7">
+                  <c:v>0</c:v>
+                </c:pt>
+                <c:pt idx="8">
+                  <c:v>2</c:v>
+                </c:pt>
+                <c:pt idx="9">
+                  <c:v>5</c:v>
+                </c:pt>
+                <c:pt idx="10">
+                  <c:v>0</c:v>
+                </c:pt>
+                <c:pt idx="11">
+                  <c:v>4</c:v>
+                </c:pt>
+                <c:pt idx="12">
+                  <c:v>0</c:v>
+                </c:pt>
+                <c:pt idx="13">
+                  <c:v>3</c:v>
+                </c:pt>
+                <c:pt idx="14">
+                  <c:v>6</c:v>
+                </c:pt>
+                <c:pt idx="15">
+                  <c:v>0</c:v>
+                </c:pt>
+                <c:pt idx="16">
+                  <c:v>4</c:v>
+                </c:pt>
+                <c:pt idx="17">
+                  <c:v>3</c:v>
+                </c:pt>
+                <c:pt idx="18">
+                  <c:v>1</c:v>
+                </c:pt>
+                <c:pt idx="19">
+                  <c:v>1</c:v>
+                </c:pt>
+                <c:pt idx="20">
+                  <c:v>3</c:v>
+                </c:pt>
+                <c:pt idx="21">
+                  <c:v>2</c:v>
+                </c:pt>
+                <c:pt idx="22">
+                  <c:v>0</c:v>
+                </c:pt>
+                <c:pt idx="23">
+                  <c:v>0</c:v>
+                </c:pt>
+              </c:numCache>
+            </c:numRef>
+          </c:val>
+          <c:extLst>
+            <c:ext xmlns:c16="http://schemas.microsoft.com/office/drawing/2014/chart" uri="{C3380CC4-5D6E-409C-BE32-E72D297353CC}">
+              <c16:uniqueId val="{00000000-2B84-2C4B-BA56-806C4E9D900D}"/>
+            </c:ext>
+          </c:extLst>
+        </c:ser>
+        <c:ser>
+          <c:idx val="1"/>
+          <c:order val="1"/>
+          <c:tx>
+            <c:strRef>
+              <c:f>DailyAvgBarWAccident!$B$1</c:f>
+              <c:strCache>
+                <c:ptCount val="1"/>
+                <c:pt idx="0">
+                  <c:v>Uheld</c:v>
+                </c:pt>
+              </c:strCache>
+            </c:strRef>
+          </c:tx>
+          <c:spPr>
+            <a:pattFill prst="narHorz">
+              <a:fgClr>
+                <a:schemeClr val="dk1">
+                  <a:tint val="55000"/>
+                </a:schemeClr>
+              </a:fgClr>
+              <a:bgClr>
+                <a:schemeClr val="dk1">
+                  <a:tint val="55000"/>
+                  <a:lumMod val="20000"/>
+                  <a:lumOff val="80000"/>
+                </a:schemeClr>
+              </a:bgClr>
+            </a:pattFill>
+            <a:ln>
+              <a:noFill/>
+            </a:ln>
+            <a:effectLst>
+              <a:innerShdw blurRad="114300">
+                <a:schemeClr val="dk1">
+                  <a:tint val="55000"/>
+                </a:schemeClr>
+              </a:innerShdw>
+            </a:effectLst>
+          </c:spPr>
+          <c:invertIfNegative val="0"/>
+          <c:dLbls>
+            <c:spPr>
+              <a:noFill/>
+              <a:ln>
+                <a:noFill/>
+              </a:ln>
+              <a:effectLst/>
+            </c:spPr>
+            <c:txPr>
+              <a:bodyPr rot="0" spcFirstLastPara="1" vertOverflow="ellipsis" vert="horz" wrap="square" lIns="38100" tIns="19050" rIns="38100" bIns="19050" anchor="ctr" anchorCtr="1">
+                <a:spAutoFit/>
+              </a:bodyPr>
+              <a:lstStyle/>
+              <a:p>
+                <a:pPr>
+                  <a:defRPr sz="900" b="0" i="0" u="none" strike="noStrike" kern="1200" baseline="0">
+                    <a:solidFill>
+                      <a:schemeClr val="tx1">
+                        <a:lumMod val="75000"/>
+                        <a:lumOff val="25000"/>
+                      </a:schemeClr>
+                    </a:solidFill>
+                    <a:latin typeface="+mn-lt"/>
+                    <a:ea typeface="+mn-ea"/>
+                    <a:cs typeface="+mn-cs"/>
+                  </a:defRPr>
+                </a:pPr>
+                <a:endParaRPr lang="da-DK"/>
+              </a:p>
+            </c:txPr>
+            <c:dLblPos val="outEnd"/>
+            <c:showLegendKey val="0"/>
+            <c:showVal val="1"/>
+            <c:showCatName val="0"/>
+            <c:showSerName val="0"/>
+            <c:showPercent val="0"/>
+            <c:showBubbleSize val="0"/>
+            <c:showLeaderLines val="0"/>
+            <c:extLst>
+              <c:ext xmlns:c15="http://schemas.microsoft.com/office/drawing/2012/chart" uri="{CE6537A1-D6FC-4f65-9D91-7224C49458BB}">
+                <c15:showLeaderLines val="1"/>
+                <c15:leaderLines>
+                  <c:spPr>
+                    <a:ln w="9525">
+                      <a:solidFill>
+                        <a:schemeClr val="tx1">
+                          <a:lumMod val="35000"/>
+                          <a:lumOff val="65000"/>
+                        </a:schemeClr>
+                      </a:solidFill>
+                    </a:ln>
+                    <a:effectLst/>
+                  </c:spPr>
+                </c15:leaderLines>
+              </c:ext>
+            </c:extLst>
+          </c:dLbls>
+          <c:val>
+            <c:numRef>
+              <c:f>DailyAvgBarWAccident!$B$2:$B$25</c:f>
+              <c:numCache>
+                <c:formatCode>General</c:formatCode>
+                <c:ptCount val="24"/>
+                <c:pt idx="0">
+                  <c:v>0</c:v>
+                </c:pt>
+                <c:pt idx="1">
+                  <c:v>0</c:v>
+                </c:pt>
+                <c:pt idx="2">
+                  <c:v>0</c:v>
+                </c:pt>
+                <c:pt idx="3">
+                  <c:v>1</c:v>
+                </c:pt>
+                <c:pt idx="4">
+                  <c:v>1</c:v>
+                </c:pt>
+                <c:pt idx="5">
+                  <c:v>0</c:v>
+                </c:pt>
+                <c:pt idx="6">
+                  <c:v>0</c:v>
+                </c:pt>
+                <c:pt idx="7">
+                  <c:v>3</c:v>
+                </c:pt>
+                <c:pt idx="8">
+                  <c:v>0</c:v>
+                </c:pt>
+                <c:pt idx="9">
+                  <c:v>0</c:v>
+                </c:pt>
+                <c:pt idx="10">
+                  <c:v>2</c:v>
+                </c:pt>
+                <c:pt idx="11">
+                  <c:v>1</c:v>
+                </c:pt>
+                <c:pt idx="12">
+                  <c:v>0</c:v>
+                </c:pt>
+                <c:pt idx="13">
+                  <c:v>2</c:v>
+                </c:pt>
+                <c:pt idx="14">
+                  <c:v>0</c:v>
+                </c:pt>
+                <c:pt idx="15">
+                  <c:v>0</c:v>
+                </c:pt>
+                <c:pt idx="16">
+                  <c:v>1</c:v>
+                </c:pt>
+                <c:pt idx="17">
+                  <c:v>0</c:v>
+                </c:pt>
+                <c:pt idx="18">
+                  <c:v>0</c:v>
+                </c:pt>
+                <c:pt idx="19">
+                  <c:v>0</c:v>
+                </c:pt>
+                <c:pt idx="20">
+                  <c:v>0</c:v>
+                </c:pt>
+                <c:pt idx="21">
+                  <c:v>0</c:v>
+                </c:pt>
+                <c:pt idx="22">
+                  <c:v>1</c:v>
+                </c:pt>
+                <c:pt idx="23">
+                  <c:v>0</c:v>
+                </c:pt>
+              </c:numCache>
+            </c:numRef>
+          </c:val>
+          <c:extLst>
+            <c:ext xmlns:c16="http://schemas.microsoft.com/office/drawing/2014/chart" uri="{C3380CC4-5D6E-409C-BE32-E72D297353CC}">
+              <c16:uniqueId val="{00000001-2B84-2C4B-BA56-806C4E9D900D}"/>
+            </c:ext>
+          </c:extLst>
+        </c:ser>
+        <c:dLbls>
+          <c:dLblPos val="outEnd"/>
+          <c:showLegendKey val="0"/>
+          <c:showVal val="1"/>
+          <c:showCatName val="0"/>
+          <c:showSerName val="0"/>
+          <c:showPercent val="0"/>
+          <c:showBubbleSize val="0"/>
+        </c:dLbls>
+        <c:gapWidth val="164"/>
+        <c:overlap val="-22"/>
+        <c:axId val="1669526256"/>
+        <c:axId val="1669525296"/>
+      </c:barChart>
+      <c:catAx>
+        <c:axId val="1669526256"/>
+        <c:scaling>
+          <c:orientation val="minMax"/>
+        </c:scaling>
+        <c:delete val="0"/>
+        <c:axPos val="b"/>
+        <c:title>
+          <c:tx>
+            <c:rich>
+              <a:bodyPr rot="0" spcFirstLastPara="1" vertOverflow="ellipsis" vert="horz" wrap="square" anchor="ctr" anchorCtr="1"/>
+              <a:lstStyle/>
+              <a:p>
+                <a:pPr>
+                  <a:defRPr sz="900" b="1" i="0" u="none" strike="noStrike" kern="1200" baseline="0">
+                    <a:solidFill>
+                      <a:schemeClr val="tx1">
+                        <a:lumMod val="65000"/>
+                        <a:lumOff val="35000"/>
+                      </a:schemeClr>
+                    </a:solidFill>
+                    <a:latin typeface="+mn-lt"/>
+                    <a:ea typeface="+mn-ea"/>
+                    <a:cs typeface="+mn-cs"/>
+                  </a:defRPr>
+                </a:pPr>
+                <a:r>
+                  <a:rPr lang="en-US"/>
+                  <a:t>Tid</a:t>
+                </a:r>
+              </a:p>
+            </c:rich>
+          </c:tx>
+          <c:overlay val="0"/>
+          <c:spPr>
+            <a:noFill/>
+            <a:ln>
+              <a:noFill/>
+            </a:ln>
+            <a:effectLst/>
+          </c:spPr>
+          <c:txPr>
+            <a:bodyPr rot="0" spcFirstLastPara="1" vertOverflow="ellipsis" vert="horz" wrap="square" anchor="ctr" anchorCtr="1"/>
+            <a:lstStyle/>
+            <a:p>
+              <a:pPr>
+                <a:defRPr sz="900" b="1" i="0" u="none" strike="noStrike" kern="1200" baseline="0">
+                  <a:solidFill>
+                    <a:schemeClr val="tx1">
+                      <a:lumMod val="65000"/>
+                      <a:lumOff val="35000"/>
+                    </a:schemeClr>
+                  </a:solidFill>
+                  <a:latin typeface="+mn-lt"/>
+                  <a:ea typeface="+mn-ea"/>
+                  <a:cs typeface="+mn-cs"/>
+                </a:defRPr>
+              </a:pPr>
+              <a:endParaRPr lang="da-DK"/>
+            </a:p>
+          </c:txPr>
+        </c:title>
+        <c:majorTickMark val="none"/>
+        <c:minorTickMark val="none"/>
+        <c:tickLblPos val="nextTo"/>
+        <c:spPr>
+          <a:noFill/>
+          <a:ln w="19050" cap="flat" cmpd="sng" algn="ctr">
+            <a:solidFill>
+              <a:schemeClr val="tx1">
+                <a:lumMod val="25000"/>
+                <a:lumOff val="75000"/>
+              </a:schemeClr>
+            </a:solidFill>
+            <a:round/>
+          </a:ln>
+          <a:effectLst/>
+        </c:spPr>
+        <c:txPr>
+          <a:bodyPr rot="-60000000" spcFirstLastPara="1" vertOverflow="ellipsis" vert="horz" wrap="square" anchor="ctr" anchorCtr="1"/>
+          <a:lstStyle/>
+          <a:p>
+            <a:pPr>
+              <a:defRPr sz="900" b="0" i="0" u="none" strike="noStrike" kern="1200" baseline="0">
+                <a:solidFill>
+                  <a:schemeClr val="tx1">
+                    <a:lumMod val="65000"/>
+                    <a:lumOff val="35000"/>
+                  </a:schemeClr>
+                </a:solidFill>
+                <a:latin typeface="+mn-lt"/>
+                <a:ea typeface="+mn-ea"/>
+                <a:cs typeface="+mn-cs"/>
+              </a:defRPr>
+            </a:pPr>
+            <a:endParaRPr lang="da-DK"/>
+          </a:p>
+        </c:txPr>
+        <c:crossAx val="1669525296"/>
+        <c:crosses val="autoZero"/>
+        <c:auto val="1"/>
+        <c:lblAlgn val="ctr"/>
+        <c:lblOffset val="100"/>
+        <c:noMultiLvlLbl val="0"/>
+      </c:catAx>
+      <c:valAx>
+        <c:axId val="1669525296"/>
+        <c:scaling>
+          <c:orientation val="minMax"/>
+        </c:scaling>
+        <c:delete val="0"/>
+        <c:axPos val="l"/>
+        <c:title>
+          <c:tx>
+            <c:rich>
+              <a:bodyPr rot="-5400000" spcFirstLastPara="1" vertOverflow="ellipsis" vert="horz" wrap="square" anchor="ctr" anchorCtr="1"/>
+              <a:lstStyle/>
+              <a:p>
+                <a:pPr>
+                  <a:defRPr sz="900" b="1" i="0" u="none" strike="noStrike" kern="1200" baseline="0">
+                    <a:solidFill>
+                      <a:schemeClr val="tx1">
+                        <a:lumMod val="65000"/>
+                        <a:lumOff val="35000"/>
+                      </a:schemeClr>
+                    </a:solidFill>
+                    <a:latin typeface="+mn-lt"/>
+                    <a:ea typeface="+mn-ea"/>
+                    <a:cs typeface="+mn-cs"/>
+                  </a:defRPr>
+                </a:pPr>
+                <a:r>
+                  <a:rPr lang="en-US"/>
+                  <a:t>Antal stimulationer/uheld</a:t>
+                </a:r>
+              </a:p>
+            </c:rich>
+          </c:tx>
+          <c:overlay val="0"/>
+          <c:spPr>
+            <a:noFill/>
+            <a:ln>
+              <a:noFill/>
+            </a:ln>
+            <a:effectLst/>
+          </c:spPr>
+          <c:txPr>
+            <a:bodyPr rot="-5400000" spcFirstLastPara="1" vertOverflow="ellipsis" vert="horz" wrap="square" anchor="ctr" anchorCtr="1"/>
+            <a:lstStyle/>
+            <a:p>
+              <a:pPr>
+                <a:defRPr sz="900" b="1" i="0" u="none" strike="noStrike" kern="1200" baseline="0">
+                  <a:solidFill>
+                    <a:schemeClr val="tx1">
+                      <a:lumMod val="65000"/>
+                      <a:lumOff val="35000"/>
+                    </a:schemeClr>
+                  </a:solidFill>
+                  <a:latin typeface="+mn-lt"/>
+                  <a:ea typeface="+mn-ea"/>
+                  <a:cs typeface="+mn-cs"/>
+                </a:defRPr>
+              </a:pPr>
+              <a:endParaRPr lang="da-DK"/>
+            </a:p>
+          </c:txPr>
+        </c:title>
+        <c:numFmt formatCode="General" sourceLinked="1"/>
+        <c:majorTickMark val="none"/>
+        <c:minorTickMark val="none"/>
+        <c:tickLblPos val="nextTo"/>
+        <c:spPr>
+          <a:noFill/>
+          <a:ln>
+            <a:noFill/>
+          </a:ln>
+          <a:effectLst/>
+        </c:spPr>
+        <c:txPr>
+          <a:bodyPr rot="-60000000" spcFirstLastPara="1" vertOverflow="ellipsis" vert="horz" wrap="square" anchor="ctr" anchorCtr="1"/>
+          <a:lstStyle/>
+          <a:p>
+            <a:pPr>
+              <a:defRPr sz="900" b="0" i="0" u="none" strike="noStrike" kern="1200" baseline="0">
+                <a:solidFill>
+                  <a:schemeClr val="tx1">
+                    <a:lumMod val="65000"/>
+                    <a:lumOff val="35000"/>
+                  </a:schemeClr>
+                </a:solidFill>
+                <a:latin typeface="+mn-lt"/>
+                <a:ea typeface="+mn-ea"/>
+                <a:cs typeface="+mn-cs"/>
+              </a:defRPr>
+            </a:pPr>
+            <a:endParaRPr lang="da-DK"/>
+          </a:p>
+        </c:txPr>
+        <c:crossAx val="1669526256"/>
+        <c:crosses val="autoZero"/>
+        <c:crossBetween val="between"/>
+      </c:valAx>
+      <c:spPr>
+        <a:noFill/>
+        <a:ln>
+          <a:noFill/>
+        </a:ln>
+        <a:effectLst/>
+      </c:spPr>
+    </c:plotArea>
+    <c:legend>
+      <c:legendPos val="t"/>
+      <c:overlay val="0"/>
+      <c:spPr>
+        <a:noFill/>
+        <a:ln>
+          <a:noFill/>
+        </a:ln>
+        <a:effectLst/>
+      </c:spPr>
+      <c:txPr>
+        <a:bodyPr rot="0" spcFirstLastPara="1" vertOverflow="ellipsis" vert="horz" wrap="square" anchor="ctr" anchorCtr="1"/>
+        <a:lstStyle/>
+        <a:p>
+          <a:pPr>
+            <a:defRPr sz="900" b="0" i="0" u="none" strike="noStrike" kern="1200" baseline="0">
+              <a:solidFill>
+                <a:schemeClr val="tx1">
+                  <a:lumMod val="65000"/>
+                  <a:lumOff val="35000"/>
+                </a:schemeClr>
+              </a:solidFill>
+              <a:latin typeface="+mn-lt"/>
+              <a:ea typeface="+mn-ea"/>
+              <a:cs typeface="+mn-cs"/>
+            </a:defRPr>
+          </a:pPr>
+          <a:endParaRPr lang="da-DK"/>
+        </a:p>
+      </c:txPr>
+    </c:legend>
+    <c:plotVisOnly val="1"/>
+    <c:dispBlanksAs val="gap"/>
+    <c:extLst>
+      <c:ext xmlns:c16r3="http://schemas.microsoft.com/office/drawing/2017/03/chart" uri="{56B9EC1D-385E-4148-901F-78D8002777C0}">
+        <c16r3:dataDisplayOptions16>
+          <c16r3:dispNaAsBlank val="1"/>
+        </c16r3:dataDisplayOptions16>
+      </c:ext>
+    </c:extLst>
+    <c:showDLblsOverMax val="0"/>
+  </c:chart>
+  <c:spPr>
+    <a:noFill/>
+    <a:ln>
+      <a:noFill/>
+    </a:ln>
+    <a:effectLst/>
+  </c:spPr>
+  <c:txPr>
+    <a:bodyPr/>
+    <a:lstStyle/>
+    <a:p>
+      <a:pPr>
+        <a:defRPr/>
+      </a:pPr>
+      <a:endParaRPr lang="da-DK"/>
+    </a:p>
+  </c:txPr>
+  <c:externalData r:id="rId3">
+    <c:autoUpdate val="0"/>
+  </c:externalData>
+</c:chartSpace>
+</file>
+
+<file path=ppt/charts/chart6.xml><?xml version="1.0" encoding="utf-8"?>
+<c:chartSpace xmlns:c="http://schemas.openxmlformats.org/drawingml/2006/chart" xmlns:a="http://schemas.openxmlformats.org/drawingml/2006/main" xmlns:r="http://schemas.openxmlformats.org/officeDocument/2006/relationships" xmlns:c16r2="http://schemas.microsoft.com/office/drawing/2015/06/chart">
+  <c:date1904 val="0"/>
+  <c:lang val="da-DK"/>
+  <c:roundedCorners val="0"/>
+  <mc:AlternateContent xmlns:mc="http://schemas.openxmlformats.org/markup-compatibility/2006">
+    <mc:Choice xmlns:c14="http://schemas.microsoft.com/office/drawing/2007/8/2/chart" Requires="c14">
       <c14:style val="102"/>
     </mc:Choice>
     <mc:Fallback>
@@ -4837,7 +5584,7 @@
                   <c:v>2</c:v>
                 </c:pt>
                 <c:pt idx="9">
-                  <c:v>0</c:v>
+                  <c:v>5</c:v>
                 </c:pt>
                 <c:pt idx="10">
                   <c:v>0</c:v>
@@ -4849,10 +5596,10 @@
                   <c:v>0</c:v>
                 </c:pt>
                 <c:pt idx="13">
-                  <c:v>7</c:v>
+                  <c:v>3</c:v>
                 </c:pt>
                 <c:pt idx="14">
-                  <c:v>0</c:v>
+                  <c:v>6</c:v>
                 </c:pt>
                 <c:pt idx="15">
                   <c:v>0</c:v>
@@ -4886,7 +5633,7 @@
           </c:val>
           <c:extLst>
             <c:ext xmlns:c16="http://schemas.microsoft.com/office/drawing/2014/chart" uri="{C3380CC4-5D6E-409C-BE32-E72D297353CC}">
-              <c16:uniqueId val="{00000000-54EC-C246-8A76-0B9D7A9DE1A7}"/>
+              <c16:uniqueId val="{00000000-DC41-DB44-94C5-C9E6D3EF9E5F}"/>
             </c:ext>
           </c:extLst>
         </c:ser>
@@ -4959,7 +5706,7 @@
                   <c:v>0</c:v>
                 </c:pt>
                 <c:pt idx="7">
-                  <c:v>0</c:v>
+                  <c:v>3</c:v>
                 </c:pt>
                 <c:pt idx="8">
                   <c:v>0</c:v>
@@ -4968,7 +5715,7 @@
                   <c:v>0</c:v>
                 </c:pt>
                 <c:pt idx="10">
-                  <c:v>0</c:v>
+                  <c:v>2</c:v>
                 </c:pt>
                 <c:pt idx="11">
                   <c:v>1</c:v>
@@ -5015,7 +5762,7 @@
           <c:smooth val="0"/>
           <c:extLst>
             <c:ext xmlns:c16="http://schemas.microsoft.com/office/drawing/2014/chart" uri="{C3380CC4-5D6E-409C-BE32-E72D297353CC}">
-              <c16:uniqueId val="{00000001-54EC-C246-8A76-0B9D7A9DE1A7}"/>
+              <c16:uniqueId val="{00000001-DC41-DB44-94C5-C9E6D3EF9E5F}"/>
             </c:ext>
           </c:extLst>
         </c:ser>
@@ -5321,7 +6068,7 @@
 </c:chartSpace>
 </file>
 
-<file path=ppt/charts/chart6.xml><?xml version="1.0" encoding="utf-8"?>
+<file path=ppt/charts/chart7.xml><?xml version="1.0" encoding="utf-8"?>
 <c:chartSpace xmlns:c="http://schemas.openxmlformats.org/drawingml/2006/chart" xmlns:a="http://schemas.openxmlformats.org/drawingml/2006/main" xmlns:r="http://schemas.openxmlformats.org/officeDocument/2006/relationships" xmlns:c16r2="http://schemas.microsoft.com/office/drawing/2015/06/chart">
   <c:date1904 val="0"/>
   <c:lang val="da-DK"/>
@@ -6063,7 +6810,7 @@
 </c:chartSpace>
 </file>
 
-<file path=ppt/charts/chart7.xml><?xml version="1.0" encoding="utf-8"?>
+<file path=ppt/charts/chart8.xml><?xml version="1.0" encoding="utf-8"?>
 <c:chartSpace xmlns:c="http://schemas.openxmlformats.org/drawingml/2006/chart" xmlns:a="http://schemas.openxmlformats.org/drawingml/2006/main" xmlns:r="http://schemas.openxmlformats.org/officeDocument/2006/relationships" xmlns:c16r2="http://schemas.microsoft.com/office/drawing/2015/06/chart">
   <c:date1904 val="0"/>
   <c:lang val="da-DK"/>
@@ -6232,7 +6979,7 @@
                   <c:v>2</c:v>
                 </c:pt>
                 <c:pt idx="9">
-                  <c:v>0</c:v>
+                  <c:v>5</c:v>
                 </c:pt>
                 <c:pt idx="10">
                   <c:v>0</c:v>
@@ -6244,10 +6991,10 @@
                   <c:v>0</c:v>
                 </c:pt>
                 <c:pt idx="13">
-                  <c:v>7</c:v>
+                  <c:v>3</c:v>
                 </c:pt>
                 <c:pt idx="14">
-                  <c:v>0</c:v>
+                  <c:v>6</c:v>
                 </c:pt>
                 <c:pt idx="15">
                   <c:v>0</c:v>
@@ -6281,7 +7028,7 @@
           </c:val>
           <c:extLst>
             <c:ext xmlns:c16="http://schemas.microsoft.com/office/drawing/2014/chart" uri="{C3380CC4-5D6E-409C-BE32-E72D297353CC}">
-              <c16:uniqueId val="{00000000-54EC-C246-8A76-0B9D7A9DE1A7}"/>
+              <c16:uniqueId val="{00000000-DC41-DB44-94C5-C9E6D3EF9E5F}"/>
             </c:ext>
           </c:extLst>
         </c:ser>
@@ -6354,7 +7101,7 @@
                   <c:v>0</c:v>
                 </c:pt>
                 <c:pt idx="7">
-                  <c:v>0</c:v>
+                  <c:v>3</c:v>
                 </c:pt>
                 <c:pt idx="8">
                   <c:v>0</c:v>
@@ -6363,7 +7110,7 @@
                   <c:v>0</c:v>
                 </c:pt>
                 <c:pt idx="10">
-                  <c:v>0</c:v>
+                  <c:v>2</c:v>
                 </c:pt>
                 <c:pt idx="11">
                   <c:v>1</c:v>
@@ -6410,7 +7157,7 @@
           <c:smooth val="0"/>
           <c:extLst>
             <c:ext xmlns:c16="http://schemas.microsoft.com/office/drawing/2014/chart" uri="{C3380CC4-5D6E-409C-BE32-E72D297353CC}">
-              <c16:uniqueId val="{00000001-54EC-C246-8A76-0B9D7A9DE1A7}"/>
+              <c16:uniqueId val="{00000001-DC41-DB44-94C5-C9E6D3EF9E5F}"/>
             </c:ext>
           </c:extLst>
         </c:ser>
@@ -6653,748 +7400,6 @@
     </c:plotArea>
     <c:legend>
       <c:legendPos val="b"/>
-      <c:overlay val="0"/>
-      <c:spPr>
-        <a:noFill/>
-        <a:ln>
-          <a:noFill/>
-        </a:ln>
-        <a:effectLst/>
-      </c:spPr>
-      <c:txPr>
-        <a:bodyPr rot="0" spcFirstLastPara="1" vertOverflow="ellipsis" vert="horz" wrap="square" anchor="ctr" anchorCtr="1"/>
-        <a:lstStyle/>
-        <a:p>
-          <a:pPr>
-            <a:defRPr sz="900" b="0" i="0" u="none" strike="noStrike" kern="1200" baseline="0">
-              <a:solidFill>
-                <a:schemeClr val="tx1">
-                  <a:lumMod val="65000"/>
-                  <a:lumOff val="35000"/>
-                </a:schemeClr>
-              </a:solidFill>
-              <a:latin typeface="+mn-lt"/>
-              <a:ea typeface="+mn-ea"/>
-              <a:cs typeface="+mn-cs"/>
-            </a:defRPr>
-          </a:pPr>
-          <a:endParaRPr lang="da-DK"/>
-        </a:p>
-      </c:txPr>
-    </c:legend>
-    <c:plotVisOnly val="1"/>
-    <c:dispBlanksAs val="gap"/>
-    <c:extLst>
-      <c:ext xmlns:c16r3="http://schemas.microsoft.com/office/drawing/2017/03/chart" uri="{56B9EC1D-385E-4148-901F-78D8002777C0}">
-        <c16r3:dataDisplayOptions16>
-          <c16r3:dispNaAsBlank val="1"/>
-        </c16r3:dataDisplayOptions16>
-      </c:ext>
-    </c:extLst>
-    <c:showDLblsOverMax val="0"/>
-  </c:chart>
-  <c:spPr>
-    <a:noFill/>
-    <a:ln>
-      <a:noFill/>
-    </a:ln>
-    <a:effectLst/>
-  </c:spPr>
-  <c:txPr>
-    <a:bodyPr/>
-    <a:lstStyle/>
-    <a:p>
-      <a:pPr>
-        <a:defRPr/>
-      </a:pPr>
-      <a:endParaRPr lang="da-DK"/>
-    </a:p>
-  </c:txPr>
-  <c:externalData r:id="rId3">
-    <c:autoUpdate val="0"/>
-  </c:externalData>
-</c:chartSpace>
-</file>
-
-<file path=ppt/charts/chart8.xml><?xml version="1.0" encoding="utf-8"?>
-<c:chartSpace xmlns:c="http://schemas.openxmlformats.org/drawingml/2006/chart" xmlns:a="http://schemas.openxmlformats.org/drawingml/2006/main" xmlns:r="http://schemas.openxmlformats.org/officeDocument/2006/relationships" xmlns:c16r2="http://schemas.microsoft.com/office/drawing/2015/06/chart">
-  <c:date1904 val="0"/>
-  <c:lang val="da-DK"/>
-  <c:roundedCorners val="0"/>
-  <mc:AlternateContent xmlns:mc="http://schemas.openxmlformats.org/markup-compatibility/2006">
-    <mc:Choice xmlns:c14="http://schemas.microsoft.com/office/drawing/2007/8/2/chart" Requires="c14">
-      <c14:style val="101"/>
-    </mc:Choice>
-    <mc:Fallback>
-      <c:style val="1"/>
-    </mc:Fallback>
-  </mc:AlternateContent>
-  <c:chart>
-    <c:title>
-      <c:tx>
-        <c:rich>
-          <a:bodyPr rot="0" spcFirstLastPara="1" vertOverflow="ellipsis" vert="horz" wrap="square" anchor="ctr" anchorCtr="1"/>
-          <a:lstStyle/>
-          <a:p>
-            <a:pPr>
-              <a:defRPr sz="1800" b="1" i="0" u="none" strike="noStrike" kern="1200" cap="all" spc="150" baseline="0">
-                <a:solidFill>
-                  <a:schemeClr val="tx1">
-                    <a:lumMod val="50000"/>
-                    <a:lumOff val="50000"/>
-                  </a:schemeClr>
-                </a:solidFill>
-                <a:latin typeface="+mn-lt"/>
-                <a:ea typeface="+mn-ea"/>
-                <a:cs typeface="+mn-cs"/>
-              </a:defRPr>
-            </a:pPr>
-            <a:r>
-              <a:rPr lang="en-US" sz="1800" b="0" i="0" u="none" strike="noStrike" kern="1200" spc="0" baseline="0">
-                <a:solidFill>
-                  <a:sysClr val="windowText" lastClr="000000">
-                    <a:lumMod val="65000"/>
-                    <a:lumOff val="35000"/>
-                  </a:sysClr>
-                </a:solidFill>
-              </a:rPr>
-              <a:t>On-demand stimulation med uheld</a:t>
-            </a:r>
-          </a:p>
-        </c:rich>
-      </c:tx>
-      <c:overlay val="0"/>
-      <c:spPr>
-        <a:noFill/>
-        <a:ln>
-          <a:noFill/>
-        </a:ln>
-        <a:effectLst/>
-      </c:spPr>
-      <c:txPr>
-        <a:bodyPr rot="0" spcFirstLastPara="1" vertOverflow="ellipsis" vert="horz" wrap="square" anchor="ctr" anchorCtr="1"/>
-        <a:lstStyle/>
-        <a:p>
-          <a:pPr>
-            <a:defRPr sz="1800" b="1" i="0" u="none" strike="noStrike" kern="1200" cap="all" spc="150" baseline="0">
-              <a:solidFill>
-                <a:schemeClr val="tx1">
-                  <a:lumMod val="50000"/>
-                  <a:lumOff val="50000"/>
-                </a:schemeClr>
-              </a:solidFill>
-              <a:latin typeface="+mn-lt"/>
-              <a:ea typeface="+mn-ea"/>
-              <a:cs typeface="+mn-cs"/>
-            </a:defRPr>
-          </a:pPr>
-          <a:endParaRPr lang="da-DK"/>
-        </a:p>
-      </c:txPr>
-    </c:title>
-    <c:autoTitleDeleted val="0"/>
-    <c:plotArea>
-      <c:layout/>
-      <c:barChart>
-        <c:barDir val="col"/>
-        <c:grouping val="clustered"/>
-        <c:varyColors val="0"/>
-        <c:ser>
-          <c:idx val="0"/>
-          <c:order val="0"/>
-          <c:tx>
-            <c:strRef>
-              <c:f>DailyAvgBarWAccident!$A$1</c:f>
-              <c:strCache>
-                <c:ptCount val="1"/>
-                <c:pt idx="0">
-                  <c:v>Stimulation</c:v>
-                </c:pt>
-              </c:strCache>
-            </c:strRef>
-          </c:tx>
-          <c:spPr>
-            <a:pattFill prst="narHorz">
-              <a:fgClr>
-                <a:schemeClr val="dk1">
-                  <a:tint val="88500"/>
-                </a:schemeClr>
-              </a:fgClr>
-              <a:bgClr>
-                <a:schemeClr val="dk1">
-                  <a:tint val="88500"/>
-                  <a:lumMod val="20000"/>
-                  <a:lumOff val="80000"/>
-                </a:schemeClr>
-              </a:bgClr>
-            </a:pattFill>
-            <a:ln>
-              <a:noFill/>
-            </a:ln>
-            <a:effectLst>
-              <a:innerShdw blurRad="114300">
-                <a:schemeClr val="dk1">
-                  <a:tint val="88500"/>
-                </a:schemeClr>
-              </a:innerShdw>
-            </a:effectLst>
-          </c:spPr>
-          <c:invertIfNegative val="0"/>
-          <c:dLbls>
-            <c:spPr>
-              <a:noFill/>
-              <a:ln>
-                <a:noFill/>
-              </a:ln>
-              <a:effectLst/>
-            </c:spPr>
-            <c:txPr>
-              <a:bodyPr rot="0" spcFirstLastPara="1" vertOverflow="ellipsis" vert="horz" wrap="square" lIns="38100" tIns="19050" rIns="38100" bIns="19050" anchor="ctr" anchorCtr="1">
-                <a:spAutoFit/>
-              </a:bodyPr>
-              <a:lstStyle/>
-              <a:p>
-                <a:pPr>
-                  <a:defRPr sz="900" b="0" i="0" u="none" strike="noStrike" kern="1200" baseline="0">
-                    <a:solidFill>
-                      <a:schemeClr val="tx1">
-                        <a:lumMod val="75000"/>
-                        <a:lumOff val="25000"/>
-                      </a:schemeClr>
-                    </a:solidFill>
-                    <a:latin typeface="+mn-lt"/>
-                    <a:ea typeface="+mn-ea"/>
-                    <a:cs typeface="+mn-cs"/>
-                  </a:defRPr>
-                </a:pPr>
-                <a:endParaRPr lang="da-DK"/>
-              </a:p>
-            </c:txPr>
-            <c:dLblPos val="outEnd"/>
-            <c:showLegendKey val="0"/>
-            <c:showVal val="1"/>
-            <c:showCatName val="0"/>
-            <c:showSerName val="0"/>
-            <c:showPercent val="0"/>
-            <c:showBubbleSize val="0"/>
-            <c:showLeaderLines val="0"/>
-            <c:extLst>
-              <c:ext xmlns:c15="http://schemas.microsoft.com/office/drawing/2012/chart" uri="{CE6537A1-D6FC-4f65-9D91-7224C49458BB}">
-                <c15:showLeaderLines val="1"/>
-                <c15:leaderLines>
-                  <c:spPr>
-                    <a:ln w="9525">
-                      <a:solidFill>
-                        <a:schemeClr val="tx1">
-                          <a:lumMod val="35000"/>
-                          <a:lumOff val="65000"/>
-                        </a:schemeClr>
-                      </a:solidFill>
-                    </a:ln>
-                    <a:effectLst/>
-                  </c:spPr>
-                </c15:leaderLines>
-              </c:ext>
-            </c:extLst>
-          </c:dLbls>
-          <c:val>
-            <c:numRef>
-              <c:f>DailyAvgBarWAccident!$A$2:$A$25</c:f>
-              <c:numCache>
-                <c:formatCode>General</c:formatCode>
-                <c:ptCount val="24"/>
-                <c:pt idx="0">
-                  <c:v>0</c:v>
-                </c:pt>
-                <c:pt idx="1">
-                  <c:v>0</c:v>
-                </c:pt>
-                <c:pt idx="2">
-                  <c:v>0</c:v>
-                </c:pt>
-                <c:pt idx="3">
-                  <c:v>1</c:v>
-                </c:pt>
-                <c:pt idx="4">
-                  <c:v>0</c:v>
-                </c:pt>
-                <c:pt idx="5">
-                  <c:v>0</c:v>
-                </c:pt>
-                <c:pt idx="6">
-                  <c:v>1</c:v>
-                </c:pt>
-                <c:pt idx="7">
-                  <c:v>0</c:v>
-                </c:pt>
-                <c:pt idx="8">
-                  <c:v>2</c:v>
-                </c:pt>
-                <c:pt idx="9">
-                  <c:v>5</c:v>
-                </c:pt>
-                <c:pt idx="10">
-                  <c:v>0</c:v>
-                </c:pt>
-                <c:pt idx="11">
-                  <c:v>4</c:v>
-                </c:pt>
-                <c:pt idx="12">
-                  <c:v>0</c:v>
-                </c:pt>
-                <c:pt idx="13">
-                  <c:v>3</c:v>
-                </c:pt>
-                <c:pt idx="14">
-                  <c:v>6</c:v>
-                </c:pt>
-                <c:pt idx="15">
-                  <c:v>0</c:v>
-                </c:pt>
-                <c:pt idx="16">
-                  <c:v>4</c:v>
-                </c:pt>
-                <c:pt idx="17">
-                  <c:v>3</c:v>
-                </c:pt>
-                <c:pt idx="18">
-                  <c:v>1</c:v>
-                </c:pt>
-                <c:pt idx="19">
-                  <c:v>1</c:v>
-                </c:pt>
-                <c:pt idx="20">
-                  <c:v>3</c:v>
-                </c:pt>
-                <c:pt idx="21">
-                  <c:v>2</c:v>
-                </c:pt>
-                <c:pt idx="22">
-                  <c:v>0</c:v>
-                </c:pt>
-                <c:pt idx="23">
-                  <c:v>0</c:v>
-                </c:pt>
-              </c:numCache>
-            </c:numRef>
-          </c:val>
-          <c:extLst>
-            <c:ext xmlns:c16="http://schemas.microsoft.com/office/drawing/2014/chart" uri="{C3380CC4-5D6E-409C-BE32-E72D297353CC}">
-              <c16:uniqueId val="{00000000-2B84-2C4B-BA56-806C4E9D900D}"/>
-            </c:ext>
-          </c:extLst>
-        </c:ser>
-        <c:ser>
-          <c:idx val="1"/>
-          <c:order val="1"/>
-          <c:tx>
-            <c:strRef>
-              <c:f>DailyAvgBarWAccident!$B$1</c:f>
-              <c:strCache>
-                <c:ptCount val="1"/>
-                <c:pt idx="0">
-                  <c:v>Uheld</c:v>
-                </c:pt>
-              </c:strCache>
-            </c:strRef>
-          </c:tx>
-          <c:spPr>
-            <a:pattFill prst="narHorz">
-              <a:fgClr>
-                <a:schemeClr val="dk1">
-                  <a:tint val="55000"/>
-                </a:schemeClr>
-              </a:fgClr>
-              <a:bgClr>
-                <a:schemeClr val="dk1">
-                  <a:tint val="55000"/>
-                  <a:lumMod val="20000"/>
-                  <a:lumOff val="80000"/>
-                </a:schemeClr>
-              </a:bgClr>
-            </a:pattFill>
-            <a:ln>
-              <a:noFill/>
-            </a:ln>
-            <a:effectLst>
-              <a:innerShdw blurRad="114300">
-                <a:schemeClr val="dk1">
-                  <a:tint val="55000"/>
-                </a:schemeClr>
-              </a:innerShdw>
-            </a:effectLst>
-          </c:spPr>
-          <c:invertIfNegative val="0"/>
-          <c:dLbls>
-            <c:spPr>
-              <a:noFill/>
-              <a:ln>
-                <a:noFill/>
-              </a:ln>
-              <a:effectLst/>
-            </c:spPr>
-            <c:txPr>
-              <a:bodyPr rot="0" spcFirstLastPara="1" vertOverflow="ellipsis" vert="horz" wrap="square" lIns="38100" tIns="19050" rIns="38100" bIns="19050" anchor="ctr" anchorCtr="1">
-                <a:spAutoFit/>
-              </a:bodyPr>
-              <a:lstStyle/>
-              <a:p>
-                <a:pPr>
-                  <a:defRPr sz="900" b="0" i="0" u="none" strike="noStrike" kern="1200" baseline="0">
-                    <a:solidFill>
-                      <a:schemeClr val="tx1">
-                        <a:lumMod val="75000"/>
-                        <a:lumOff val="25000"/>
-                      </a:schemeClr>
-                    </a:solidFill>
-                    <a:latin typeface="+mn-lt"/>
-                    <a:ea typeface="+mn-ea"/>
-                    <a:cs typeface="+mn-cs"/>
-                  </a:defRPr>
-                </a:pPr>
-                <a:endParaRPr lang="da-DK"/>
-              </a:p>
-            </c:txPr>
-            <c:dLblPos val="outEnd"/>
-            <c:showLegendKey val="0"/>
-            <c:showVal val="1"/>
-            <c:showCatName val="0"/>
-            <c:showSerName val="0"/>
-            <c:showPercent val="0"/>
-            <c:showBubbleSize val="0"/>
-            <c:showLeaderLines val="0"/>
-            <c:extLst>
-              <c:ext xmlns:c15="http://schemas.microsoft.com/office/drawing/2012/chart" uri="{CE6537A1-D6FC-4f65-9D91-7224C49458BB}">
-                <c15:showLeaderLines val="1"/>
-                <c15:leaderLines>
-                  <c:spPr>
-                    <a:ln w="9525">
-                      <a:solidFill>
-                        <a:schemeClr val="tx1">
-                          <a:lumMod val="35000"/>
-                          <a:lumOff val="65000"/>
-                        </a:schemeClr>
-                      </a:solidFill>
-                    </a:ln>
-                    <a:effectLst/>
-                  </c:spPr>
-                </c15:leaderLines>
-              </c:ext>
-            </c:extLst>
-          </c:dLbls>
-          <c:val>
-            <c:numRef>
-              <c:f>DailyAvgBarWAccident!$B$2:$B$25</c:f>
-              <c:numCache>
-                <c:formatCode>General</c:formatCode>
-                <c:ptCount val="24"/>
-                <c:pt idx="0">
-                  <c:v>0</c:v>
-                </c:pt>
-                <c:pt idx="1">
-                  <c:v>0</c:v>
-                </c:pt>
-                <c:pt idx="2">
-                  <c:v>0</c:v>
-                </c:pt>
-                <c:pt idx="3">
-                  <c:v>1</c:v>
-                </c:pt>
-                <c:pt idx="4">
-                  <c:v>1</c:v>
-                </c:pt>
-                <c:pt idx="5">
-                  <c:v>0</c:v>
-                </c:pt>
-                <c:pt idx="6">
-                  <c:v>0</c:v>
-                </c:pt>
-                <c:pt idx="7">
-                  <c:v>3</c:v>
-                </c:pt>
-                <c:pt idx="8">
-                  <c:v>0</c:v>
-                </c:pt>
-                <c:pt idx="9">
-                  <c:v>0</c:v>
-                </c:pt>
-                <c:pt idx="10">
-                  <c:v>2</c:v>
-                </c:pt>
-                <c:pt idx="11">
-                  <c:v>1</c:v>
-                </c:pt>
-                <c:pt idx="12">
-                  <c:v>0</c:v>
-                </c:pt>
-                <c:pt idx="13">
-                  <c:v>2</c:v>
-                </c:pt>
-                <c:pt idx="14">
-                  <c:v>0</c:v>
-                </c:pt>
-                <c:pt idx="15">
-                  <c:v>0</c:v>
-                </c:pt>
-                <c:pt idx="16">
-                  <c:v>1</c:v>
-                </c:pt>
-                <c:pt idx="17">
-                  <c:v>0</c:v>
-                </c:pt>
-                <c:pt idx="18">
-                  <c:v>0</c:v>
-                </c:pt>
-                <c:pt idx="19">
-                  <c:v>0</c:v>
-                </c:pt>
-                <c:pt idx="20">
-                  <c:v>0</c:v>
-                </c:pt>
-                <c:pt idx="21">
-                  <c:v>0</c:v>
-                </c:pt>
-                <c:pt idx="22">
-                  <c:v>1</c:v>
-                </c:pt>
-                <c:pt idx="23">
-                  <c:v>0</c:v>
-                </c:pt>
-              </c:numCache>
-            </c:numRef>
-          </c:val>
-          <c:extLst>
-            <c:ext xmlns:c16="http://schemas.microsoft.com/office/drawing/2014/chart" uri="{C3380CC4-5D6E-409C-BE32-E72D297353CC}">
-              <c16:uniqueId val="{00000001-2B84-2C4B-BA56-806C4E9D900D}"/>
-            </c:ext>
-          </c:extLst>
-        </c:ser>
-        <c:dLbls>
-          <c:dLblPos val="outEnd"/>
-          <c:showLegendKey val="0"/>
-          <c:showVal val="1"/>
-          <c:showCatName val="0"/>
-          <c:showSerName val="0"/>
-          <c:showPercent val="0"/>
-          <c:showBubbleSize val="0"/>
-        </c:dLbls>
-        <c:gapWidth val="164"/>
-        <c:overlap val="-22"/>
-        <c:axId val="1669526256"/>
-        <c:axId val="1669525296"/>
-      </c:barChart>
-      <c:catAx>
-        <c:axId val="1669526256"/>
-        <c:scaling>
-          <c:orientation val="minMax"/>
-        </c:scaling>
-        <c:delete val="0"/>
-        <c:axPos val="b"/>
-        <c:title>
-          <c:tx>
-            <c:rich>
-              <a:bodyPr rot="0" spcFirstLastPara="1" vertOverflow="ellipsis" vert="horz" wrap="square" anchor="ctr" anchorCtr="1"/>
-              <a:lstStyle/>
-              <a:p>
-                <a:pPr>
-                  <a:defRPr sz="900" b="1" i="0" u="none" strike="noStrike" kern="1200" baseline="0">
-                    <a:solidFill>
-                      <a:schemeClr val="tx1">
-                        <a:lumMod val="65000"/>
-                        <a:lumOff val="35000"/>
-                      </a:schemeClr>
-                    </a:solidFill>
-                    <a:latin typeface="+mn-lt"/>
-                    <a:ea typeface="+mn-ea"/>
-                    <a:cs typeface="+mn-cs"/>
-                  </a:defRPr>
-                </a:pPr>
-                <a:r>
-                  <a:rPr lang="en-US"/>
-                  <a:t>Tid</a:t>
-                </a:r>
-              </a:p>
-            </c:rich>
-          </c:tx>
-          <c:overlay val="0"/>
-          <c:spPr>
-            <a:noFill/>
-            <a:ln>
-              <a:noFill/>
-            </a:ln>
-            <a:effectLst/>
-          </c:spPr>
-          <c:txPr>
-            <a:bodyPr rot="0" spcFirstLastPara="1" vertOverflow="ellipsis" vert="horz" wrap="square" anchor="ctr" anchorCtr="1"/>
-            <a:lstStyle/>
-            <a:p>
-              <a:pPr>
-                <a:defRPr sz="900" b="1" i="0" u="none" strike="noStrike" kern="1200" baseline="0">
-                  <a:solidFill>
-                    <a:schemeClr val="tx1">
-                      <a:lumMod val="65000"/>
-                      <a:lumOff val="35000"/>
-                    </a:schemeClr>
-                  </a:solidFill>
-                  <a:latin typeface="+mn-lt"/>
-                  <a:ea typeface="+mn-ea"/>
-                  <a:cs typeface="+mn-cs"/>
-                </a:defRPr>
-              </a:pPr>
-              <a:endParaRPr lang="da-DK"/>
-            </a:p>
-          </c:txPr>
-        </c:title>
-        <c:majorTickMark val="none"/>
-        <c:minorTickMark val="none"/>
-        <c:tickLblPos val="nextTo"/>
-        <c:spPr>
-          <a:noFill/>
-          <a:ln w="19050" cap="flat" cmpd="sng" algn="ctr">
-            <a:solidFill>
-              <a:schemeClr val="tx1">
-                <a:lumMod val="25000"/>
-                <a:lumOff val="75000"/>
-              </a:schemeClr>
-            </a:solidFill>
-            <a:round/>
-          </a:ln>
-          <a:effectLst/>
-        </c:spPr>
-        <c:txPr>
-          <a:bodyPr rot="-60000000" spcFirstLastPara="1" vertOverflow="ellipsis" vert="horz" wrap="square" anchor="ctr" anchorCtr="1"/>
-          <a:lstStyle/>
-          <a:p>
-            <a:pPr>
-              <a:defRPr sz="900" b="0" i="0" u="none" strike="noStrike" kern="1200" baseline="0">
-                <a:solidFill>
-                  <a:schemeClr val="tx1">
-                    <a:lumMod val="65000"/>
-                    <a:lumOff val="35000"/>
-                  </a:schemeClr>
-                </a:solidFill>
-                <a:latin typeface="+mn-lt"/>
-                <a:ea typeface="+mn-ea"/>
-                <a:cs typeface="+mn-cs"/>
-              </a:defRPr>
-            </a:pPr>
-            <a:endParaRPr lang="da-DK"/>
-          </a:p>
-        </c:txPr>
-        <c:crossAx val="1669525296"/>
-        <c:crosses val="autoZero"/>
-        <c:auto val="1"/>
-        <c:lblAlgn val="ctr"/>
-        <c:lblOffset val="100"/>
-        <c:noMultiLvlLbl val="0"/>
-      </c:catAx>
-      <c:valAx>
-        <c:axId val="1669525296"/>
-        <c:scaling>
-          <c:orientation val="minMax"/>
-        </c:scaling>
-        <c:delete val="0"/>
-        <c:axPos val="l"/>
-        <c:title>
-          <c:tx>
-            <c:rich>
-              <a:bodyPr rot="-5400000" spcFirstLastPara="1" vertOverflow="ellipsis" vert="horz" wrap="square" anchor="ctr" anchorCtr="1"/>
-              <a:lstStyle/>
-              <a:p>
-                <a:pPr>
-                  <a:defRPr sz="900" b="1" i="0" u="none" strike="noStrike" kern="1200" baseline="0">
-                    <a:solidFill>
-                      <a:schemeClr val="tx1">
-                        <a:lumMod val="65000"/>
-                        <a:lumOff val="35000"/>
-                      </a:schemeClr>
-                    </a:solidFill>
-                    <a:latin typeface="+mn-lt"/>
-                    <a:ea typeface="+mn-ea"/>
-                    <a:cs typeface="+mn-cs"/>
-                  </a:defRPr>
-                </a:pPr>
-                <a:r>
-                  <a:rPr lang="en-US"/>
-                  <a:t>Antal stimulationer/uheld</a:t>
-                </a:r>
-              </a:p>
-            </c:rich>
-          </c:tx>
-          <c:overlay val="0"/>
-          <c:spPr>
-            <a:noFill/>
-            <a:ln>
-              <a:noFill/>
-            </a:ln>
-            <a:effectLst/>
-          </c:spPr>
-          <c:txPr>
-            <a:bodyPr rot="-5400000" spcFirstLastPara="1" vertOverflow="ellipsis" vert="horz" wrap="square" anchor="ctr" anchorCtr="1"/>
-            <a:lstStyle/>
-            <a:p>
-              <a:pPr>
-                <a:defRPr sz="900" b="1" i="0" u="none" strike="noStrike" kern="1200" baseline="0">
-                  <a:solidFill>
-                    <a:schemeClr val="tx1">
-                      <a:lumMod val="65000"/>
-                      <a:lumOff val="35000"/>
-                    </a:schemeClr>
-                  </a:solidFill>
-                  <a:latin typeface="+mn-lt"/>
-                  <a:ea typeface="+mn-ea"/>
-                  <a:cs typeface="+mn-cs"/>
-                </a:defRPr>
-              </a:pPr>
-              <a:endParaRPr lang="da-DK"/>
-            </a:p>
-          </c:txPr>
-        </c:title>
-        <c:numFmt formatCode="General" sourceLinked="1"/>
-        <c:majorTickMark val="none"/>
-        <c:minorTickMark val="none"/>
-        <c:tickLblPos val="nextTo"/>
-        <c:spPr>
-          <a:noFill/>
-          <a:ln>
-            <a:noFill/>
-          </a:ln>
-          <a:effectLst/>
-        </c:spPr>
-        <c:txPr>
-          <a:bodyPr rot="-60000000" spcFirstLastPara="1" vertOverflow="ellipsis" vert="horz" wrap="square" anchor="ctr" anchorCtr="1"/>
-          <a:lstStyle/>
-          <a:p>
-            <a:pPr>
-              <a:defRPr sz="900" b="0" i="0" u="none" strike="noStrike" kern="1200" baseline="0">
-                <a:solidFill>
-                  <a:schemeClr val="tx1">
-                    <a:lumMod val="65000"/>
-                    <a:lumOff val="35000"/>
-                  </a:schemeClr>
-                </a:solidFill>
-                <a:latin typeface="+mn-lt"/>
-                <a:ea typeface="+mn-ea"/>
-                <a:cs typeface="+mn-cs"/>
-              </a:defRPr>
-            </a:pPr>
-            <a:endParaRPr lang="da-DK"/>
-          </a:p>
-        </c:txPr>
-        <c:crossAx val="1669526256"/>
-        <c:crosses val="autoZero"/>
-        <c:crossBetween val="between"/>
-      </c:valAx>
-      <c:spPr>
-        <a:noFill/>
-        <a:ln>
-          <a:noFill/>
-        </a:ln>
-        <a:effectLst/>
-      </c:spPr>
-    </c:plotArea>
-    <c:legend>
-      <c:legendPos val="t"/>
       <c:overlay val="0"/>
       <c:spPr>
         <a:noFill/>
@@ -8335,6 +8340,33 @@
 </file>
 
 <file path=ppt/charts/colors5.xml><?xml version="1.0" encoding="utf-8"?>
+<cs:colorStyle xmlns:cs="http://schemas.microsoft.com/office/drawing/2012/chartStyle" xmlns:a="http://schemas.openxmlformats.org/drawingml/2006/main" meth="cycle" id="20">
+  <a:schemeClr val="dk1"/>
+  <cs:variation>
+    <a:tint val="88500"/>
+  </cs:variation>
+  <cs:variation>
+    <a:tint val="55000"/>
+  </cs:variation>
+  <cs:variation>
+    <a:tint val="75000"/>
+  </cs:variation>
+  <cs:variation>
+    <a:tint val="98500"/>
+  </cs:variation>
+  <cs:variation>
+    <a:tint val="30000"/>
+  </cs:variation>
+  <cs:variation>
+    <a:tint val="60000"/>
+  </cs:variation>
+  <cs:variation>
+    <a:tint val="80000"/>
+  </cs:variation>
+</cs:colorStyle>
+</file>
+
+<file path=ppt/charts/colors6.xml><?xml version="1.0" encoding="utf-8"?>
 <cs:colorStyle xmlns:cs="http://schemas.microsoft.com/office/drawing/2012/chartStyle" xmlns:a="http://schemas.openxmlformats.org/drawingml/2006/main" meth="cycle" id="10">
   <a:schemeClr val="accent1"/>
   <a:schemeClr val="accent2"/>
@@ -8374,7 +8406,7 @@
 </cs:colorStyle>
 </file>
 
-<file path=ppt/charts/colors6.xml><?xml version="1.0" encoding="utf-8"?>
+<file path=ppt/charts/colors7.xml><?xml version="1.0" encoding="utf-8"?>
 <cs:colorStyle xmlns:cs="http://schemas.microsoft.com/office/drawing/2012/chartStyle" xmlns:a="http://schemas.openxmlformats.org/drawingml/2006/main" meth="cycle" id="20">
   <a:schemeClr val="dk1"/>
   <cs:variation>
@@ -8401,7 +8433,7 @@
 </cs:colorStyle>
 </file>
 
-<file path=ppt/charts/colors7.xml><?xml version="1.0" encoding="utf-8"?>
+<file path=ppt/charts/colors8.xml><?xml version="1.0" encoding="utf-8"?>
 <cs:colorStyle xmlns:cs="http://schemas.microsoft.com/office/drawing/2012/chartStyle" xmlns:a="http://schemas.openxmlformats.org/drawingml/2006/main" meth="cycle" id="10">
   <a:schemeClr val="accent1"/>
   <a:schemeClr val="accent2"/>
@@ -8437,33 +8469,6 @@
   <cs:variation>
     <a:lumMod val="50000"/>
     <a:lumOff val="50000"/>
-  </cs:variation>
-</cs:colorStyle>
-</file>
-
-<file path=ppt/charts/colors8.xml><?xml version="1.0" encoding="utf-8"?>
-<cs:colorStyle xmlns:cs="http://schemas.microsoft.com/office/drawing/2012/chartStyle" xmlns:a="http://schemas.openxmlformats.org/drawingml/2006/main" meth="cycle" id="20">
-  <a:schemeClr val="dk1"/>
-  <cs:variation>
-    <a:tint val="88500"/>
-  </cs:variation>
-  <cs:variation>
-    <a:tint val="55000"/>
-  </cs:variation>
-  <cs:variation>
-    <a:tint val="75000"/>
-  </cs:variation>
-  <cs:variation>
-    <a:tint val="98500"/>
-  </cs:variation>
-  <cs:variation>
-    <a:tint val="30000"/>
-  </cs:variation>
-  <cs:variation>
-    <a:tint val="60000"/>
-  </cs:variation>
-  <cs:variation>
-    <a:tint val="80000"/>
   </cs:variation>
 </cs:colorStyle>
 </file>
@@ -13243,522 +13248,6 @@
 </file>
 
 <file path=ppt/charts/style5.xml><?xml version="1.0" encoding="utf-8"?>
-<cs:chartStyle xmlns:cs="http://schemas.microsoft.com/office/drawing/2012/chartStyle" xmlns:a="http://schemas.openxmlformats.org/drawingml/2006/main" id="322">
-  <cs:axisTitle>
-    <cs:lnRef idx="0"/>
-    <cs:fillRef idx="0"/>
-    <cs:effectRef idx="0"/>
-    <cs:fontRef idx="minor">
-      <a:schemeClr val="tx1">
-        <a:lumMod val="65000"/>
-        <a:lumOff val="35000"/>
-      </a:schemeClr>
-    </cs:fontRef>
-    <cs:defRPr sz="1000" kern="1200"/>
-  </cs:axisTitle>
-  <cs:categoryAxis>
-    <cs:lnRef idx="0"/>
-    <cs:fillRef idx="0"/>
-    <cs:effectRef idx="0"/>
-    <cs:fontRef idx="minor">
-      <a:schemeClr val="tx1">
-        <a:lumMod val="65000"/>
-        <a:lumOff val="35000"/>
-      </a:schemeClr>
-    </cs:fontRef>
-    <cs:spPr>
-      <a:ln w="9525" cap="flat" cmpd="sng" algn="ctr">
-        <a:solidFill>
-          <a:schemeClr val="tx1">
-            <a:lumMod val="15000"/>
-            <a:lumOff val="85000"/>
-          </a:schemeClr>
-        </a:solidFill>
-        <a:round/>
-      </a:ln>
-    </cs:spPr>
-    <cs:defRPr sz="900" kern="1200"/>
-  </cs:categoryAxis>
-  <cs:chartArea mods="allowNoFillOverride allowNoLineOverride">
-    <cs:lnRef idx="0"/>
-    <cs:fillRef idx="0"/>
-    <cs:effectRef idx="0"/>
-    <cs:fontRef idx="minor">
-      <a:schemeClr val="tx1"/>
-    </cs:fontRef>
-    <cs:spPr>
-      <a:solidFill>
-        <a:schemeClr val="bg1"/>
-      </a:solidFill>
-      <a:ln w="9525" cap="flat" cmpd="sng" algn="ctr">
-        <a:solidFill>
-          <a:schemeClr val="tx1">
-            <a:lumMod val="15000"/>
-            <a:lumOff val="85000"/>
-          </a:schemeClr>
-        </a:solidFill>
-        <a:round/>
-      </a:ln>
-    </cs:spPr>
-    <cs:defRPr sz="1000" kern="1200"/>
-  </cs:chartArea>
-  <cs:dataLabel>
-    <cs:lnRef idx="0"/>
-    <cs:fillRef idx="0"/>
-    <cs:effectRef idx="0"/>
-    <cs:fontRef idx="minor">
-      <a:schemeClr val="tx1">
-        <a:lumMod val="75000"/>
-        <a:lumOff val="25000"/>
-      </a:schemeClr>
-    </cs:fontRef>
-    <cs:defRPr sz="900" kern="1200"/>
-  </cs:dataLabel>
-  <cs:dataLabelCallout>
-    <cs:lnRef idx="0"/>
-    <cs:fillRef idx="0"/>
-    <cs:effectRef idx="0"/>
-    <cs:fontRef idx="minor">
-      <a:schemeClr val="dk1">
-        <a:lumMod val="65000"/>
-        <a:lumOff val="35000"/>
-      </a:schemeClr>
-    </cs:fontRef>
-    <cs:spPr>
-      <a:solidFill>
-        <a:schemeClr val="lt1"/>
-      </a:solidFill>
-      <a:ln>
-        <a:solidFill>
-          <a:schemeClr val="dk1">
-            <a:lumMod val="25000"/>
-            <a:lumOff val="75000"/>
-          </a:schemeClr>
-        </a:solidFill>
-      </a:ln>
-    </cs:spPr>
-    <cs:defRPr sz="900" kern="1200"/>
-    <cs:bodyPr rot="0" spcFirstLastPara="1" vertOverflow="clip" horzOverflow="clip" vert="horz" wrap="square" lIns="36576" tIns="18288" rIns="36576" bIns="18288" anchor="ctr" anchorCtr="1">
-      <a:spAutoFit/>
-    </cs:bodyPr>
-  </cs:dataLabelCallout>
-  <cs:dataPoint>
-    <cs:lnRef idx="0"/>
-    <cs:fillRef idx="1">
-      <cs:styleClr val="auto"/>
-    </cs:fillRef>
-    <cs:effectRef idx="0"/>
-    <cs:fontRef idx="minor">
-      <a:schemeClr val="tx1"/>
-    </cs:fontRef>
-  </cs:dataPoint>
-  <cs:dataPoint3D>
-    <cs:lnRef idx="0"/>
-    <cs:fillRef idx="1">
-      <cs:styleClr val="auto"/>
-    </cs:fillRef>
-    <cs:effectRef idx="0"/>
-    <cs:fontRef idx="minor">
-      <a:schemeClr val="tx1"/>
-    </cs:fontRef>
-  </cs:dataPoint3D>
-  <cs:dataPointLine>
-    <cs:lnRef idx="0">
-      <cs:styleClr val="auto"/>
-    </cs:lnRef>
-    <cs:fillRef idx="1"/>
-    <cs:effectRef idx="0"/>
-    <cs:fontRef idx="minor">
-      <a:schemeClr val="tx1"/>
-    </cs:fontRef>
-    <cs:spPr>
-      <a:ln w="28575" cap="rnd">
-        <a:solidFill>
-          <a:schemeClr val="phClr"/>
-        </a:solidFill>
-        <a:round/>
-      </a:ln>
-    </cs:spPr>
-  </cs:dataPointLine>
-  <cs:dataPointMarker>
-    <cs:lnRef idx="0">
-      <cs:styleClr val="auto"/>
-    </cs:lnRef>
-    <cs:fillRef idx="1">
-      <cs:styleClr val="auto"/>
-    </cs:fillRef>
-    <cs:effectRef idx="0"/>
-    <cs:fontRef idx="minor">
-      <a:schemeClr val="tx1"/>
-    </cs:fontRef>
-    <cs:spPr>
-      <a:ln w="9525">
-        <a:solidFill>
-          <a:schemeClr val="phClr"/>
-        </a:solidFill>
-      </a:ln>
-    </cs:spPr>
-  </cs:dataPointMarker>
-  <cs:dataPointMarkerLayout symbol="circle" size="5"/>
-  <cs:dataPointWireframe>
-    <cs:lnRef idx="0">
-      <cs:styleClr val="auto"/>
-    </cs:lnRef>
-    <cs:fillRef idx="1"/>
-    <cs:effectRef idx="0"/>
-    <cs:fontRef idx="minor">
-      <a:schemeClr val="tx1"/>
-    </cs:fontRef>
-    <cs:spPr>
-      <a:ln w="9525" cap="rnd">
-        <a:solidFill>
-          <a:schemeClr val="phClr"/>
-        </a:solidFill>
-        <a:round/>
-      </a:ln>
-    </cs:spPr>
-  </cs:dataPointWireframe>
-  <cs:dataTable>
-    <cs:lnRef idx="0"/>
-    <cs:fillRef idx="0"/>
-    <cs:effectRef idx="0"/>
-    <cs:fontRef idx="minor">
-      <a:schemeClr val="tx1">
-        <a:lumMod val="65000"/>
-        <a:lumOff val="35000"/>
-      </a:schemeClr>
-    </cs:fontRef>
-    <cs:spPr>
-      <a:noFill/>
-      <a:ln w="9525" cap="flat" cmpd="sng" algn="ctr">
-        <a:solidFill>
-          <a:schemeClr val="tx1">
-            <a:lumMod val="15000"/>
-            <a:lumOff val="85000"/>
-          </a:schemeClr>
-        </a:solidFill>
-        <a:round/>
-      </a:ln>
-    </cs:spPr>
-    <cs:defRPr sz="900" kern="1200"/>
-  </cs:dataTable>
-  <cs:downBar>
-    <cs:lnRef idx="0"/>
-    <cs:fillRef idx="0"/>
-    <cs:effectRef idx="0"/>
-    <cs:fontRef idx="minor">
-      <a:schemeClr val="tx1"/>
-    </cs:fontRef>
-    <cs:spPr>
-      <a:solidFill>
-        <a:schemeClr val="dk1">
-          <a:lumMod val="75000"/>
-          <a:lumOff val="25000"/>
-        </a:schemeClr>
-      </a:solidFill>
-      <a:ln w="9525" cap="flat" cmpd="sng" algn="ctr">
-        <a:solidFill>
-          <a:schemeClr val="tx1">
-            <a:lumMod val="65000"/>
-            <a:lumOff val="35000"/>
-          </a:schemeClr>
-        </a:solidFill>
-        <a:round/>
-      </a:ln>
-    </cs:spPr>
-  </cs:downBar>
-  <cs:dropLine>
-    <cs:lnRef idx="0"/>
-    <cs:fillRef idx="0"/>
-    <cs:effectRef idx="0"/>
-    <cs:fontRef idx="minor">
-      <a:schemeClr val="tx1"/>
-    </cs:fontRef>
-    <cs:spPr>
-      <a:ln w="9525" cap="flat" cmpd="sng" algn="ctr">
-        <a:solidFill>
-          <a:schemeClr val="tx1">
-            <a:lumMod val="35000"/>
-            <a:lumOff val="65000"/>
-          </a:schemeClr>
-        </a:solidFill>
-        <a:round/>
-      </a:ln>
-    </cs:spPr>
-  </cs:dropLine>
-  <cs:errorBar>
-    <cs:lnRef idx="0"/>
-    <cs:fillRef idx="0"/>
-    <cs:effectRef idx="0"/>
-    <cs:fontRef idx="minor">
-      <a:schemeClr val="tx1"/>
-    </cs:fontRef>
-    <cs:spPr>
-      <a:ln w="9525" cap="flat" cmpd="sng" algn="ctr">
-        <a:solidFill>
-          <a:schemeClr val="tx1">
-            <a:lumMod val="65000"/>
-            <a:lumOff val="35000"/>
-          </a:schemeClr>
-        </a:solidFill>
-        <a:round/>
-      </a:ln>
-    </cs:spPr>
-  </cs:errorBar>
-  <cs:floor>
-    <cs:lnRef idx="0"/>
-    <cs:fillRef idx="0"/>
-    <cs:effectRef idx="0"/>
-    <cs:fontRef idx="minor">
-      <a:schemeClr val="tx1"/>
-    </cs:fontRef>
-    <cs:spPr>
-      <a:noFill/>
-      <a:ln>
-        <a:noFill/>
-      </a:ln>
-    </cs:spPr>
-  </cs:floor>
-  <cs:gridlineMajor>
-    <cs:lnRef idx="0"/>
-    <cs:fillRef idx="0"/>
-    <cs:effectRef idx="0"/>
-    <cs:fontRef idx="minor">
-      <a:schemeClr val="tx1"/>
-    </cs:fontRef>
-    <cs:spPr>
-      <a:ln w="9525" cap="flat" cmpd="sng" algn="ctr">
-        <a:solidFill>
-          <a:schemeClr val="tx1">
-            <a:lumMod val="15000"/>
-            <a:lumOff val="85000"/>
-          </a:schemeClr>
-        </a:solidFill>
-        <a:round/>
-      </a:ln>
-    </cs:spPr>
-  </cs:gridlineMajor>
-  <cs:gridlineMinor>
-    <cs:lnRef idx="0"/>
-    <cs:fillRef idx="0"/>
-    <cs:effectRef idx="0"/>
-    <cs:fontRef idx="minor">
-      <a:schemeClr val="tx1"/>
-    </cs:fontRef>
-    <cs:spPr>
-      <a:ln w="9525" cap="flat" cmpd="sng" algn="ctr">
-        <a:solidFill>
-          <a:schemeClr val="tx1">
-            <a:lumMod val="5000"/>
-            <a:lumOff val="95000"/>
-          </a:schemeClr>
-        </a:solidFill>
-        <a:round/>
-      </a:ln>
-    </cs:spPr>
-  </cs:gridlineMinor>
-  <cs:hiLoLine>
-    <cs:lnRef idx="0"/>
-    <cs:fillRef idx="0"/>
-    <cs:effectRef idx="0"/>
-    <cs:fontRef idx="minor">
-      <a:schemeClr val="tx1"/>
-    </cs:fontRef>
-    <cs:spPr>
-      <a:ln w="9525" cap="flat" cmpd="sng" algn="ctr">
-        <a:solidFill>
-          <a:schemeClr val="tx1">
-            <a:lumMod val="75000"/>
-            <a:lumOff val="25000"/>
-          </a:schemeClr>
-        </a:solidFill>
-        <a:round/>
-      </a:ln>
-    </cs:spPr>
-  </cs:hiLoLine>
-  <cs:leaderLine>
-    <cs:lnRef idx="0"/>
-    <cs:fillRef idx="0"/>
-    <cs:effectRef idx="0"/>
-    <cs:fontRef idx="minor">
-      <a:schemeClr val="tx1"/>
-    </cs:fontRef>
-    <cs:spPr>
-      <a:ln w="9525" cap="flat" cmpd="sng" algn="ctr">
-        <a:solidFill>
-          <a:schemeClr val="tx1">
-            <a:lumMod val="35000"/>
-            <a:lumOff val="65000"/>
-          </a:schemeClr>
-        </a:solidFill>
-        <a:round/>
-      </a:ln>
-    </cs:spPr>
-  </cs:leaderLine>
-  <cs:legend>
-    <cs:lnRef idx="0"/>
-    <cs:fillRef idx="0"/>
-    <cs:effectRef idx="0"/>
-    <cs:fontRef idx="minor">
-      <a:schemeClr val="tx1">
-        <a:lumMod val="65000"/>
-        <a:lumOff val="35000"/>
-      </a:schemeClr>
-    </cs:fontRef>
-    <cs:defRPr sz="900" kern="1200"/>
-  </cs:legend>
-  <cs:plotArea mods="allowNoFillOverride allowNoLineOverride">
-    <cs:lnRef idx="0"/>
-    <cs:fillRef idx="0"/>
-    <cs:effectRef idx="0"/>
-    <cs:fontRef idx="minor">
-      <a:schemeClr val="tx1"/>
-    </cs:fontRef>
-  </cs:plotArea>
-  <cs:plotArea3D mods="allowNoFillOverride allowNoLineOverride">
-    <cs:lnRef idx="0"/>
-    <cs:fillRef idx="0"/>
-    <cs:effectRef idx="0"/>
-    <cs:fontRef idx="minor">
-      <a:schemeClr val="tx1"/>
-    </cs:fontRef>
-  </cs:plotArea3D>
-  <cs:seriesAxis>
-    <cs:lnRef idx="0"/>
-    <cs:fillRef idx="0"/>
-    <cs:effectRef idx="0"/>
-    <cs:fontRef idx="minor">
-      <a:schemeClr val="tx1">
-        <a:lumMod val="65000"/>
-        <a:lumOff val="35000"/>
-      </a:schemeClr>
-    </cs:fontRef>
-    <cs:spPr>
-      <a:ln w="9525" cap="flat" cmpd="sng" algn="ctr">
-        <a:solidFill>
-          <a:schemeClr val="tx1">
-            <a:lumMod val="15000"/>
-            <a:lumOff val="85000"/>
-          </a:schemeClr>
-        </a:solidFill>
-        <a:round/>
-      </a:ln>
-    </cs:spPr>
-    <cs:defRPr sz="900" kern="1200"/>
-  </cs:seriesAxis>
-  <cs:seriesLine>
-    <cs:lnRef idx="0"/>
-    <cs:fillRef idx="0"/>
-    <cs:effectRef idx="0"/>
-    <cs:fontRef idx="minor">
-      <a:schemeClr val="tx1"/>
-    </cs:fontRef>
-    <cs:spPr>
-      <a:ln w="9525" cap="flat" cmpd="sng" algn="ctr">
-        <a:solidFill>
-          <a:schemeClr val="tx1">
-            <a:lumMod val="35000"/>
-            <a:lumOff val="65000"/>
-          </a:schemeClr>
-        </a:solidFill>
-        <a:round/>
-      </a:ln>
-    </cs:spPr>
-  </cs:seriesLine>
-  <cs:title>
-    <cs:lnRef idx="0"/>
-    <cs:fillRef idx="0"/>
-    <cs:effectRef idx="0"/>
-    <cs:fontRef idx="minor">
-      <a:schemeClr val="tx1">
-        <a:lumMod val="65000"/>
-        <a:lumOff val="35000"/>
-      </a:schemeClr>
-    </cs:fontRef>
-    <cs:defRPr sz="1400" b="0" kern="1200" spc="0" baseline="0"/>
-  </cs:title>
-  <cs:trendline>
-    <cs:lnRef idx="0">
-      <cs:styleClr val="auto"/>
-    </cs:lnRef>
-    <cs:fillRef idx="0"/>
-    <cs:effectRef idx="0"/>
-    <cs:fontRef idx="minor">
-      <a:schemeClr val="tx1"/>
-    </cs:fontRef>
-    <cs:spPr>
-      <a:ln w="19050" cap="rnd">
-        <a:solidFill>
-          <a:schemeClr val="phClr"/>
-        </a:solidFill>
-        <a:prstDash val="sysDot"/>
-      </a:ln>
-    </cs:spPr>
-  </cs:trendline>
-  <cs:trendlineLabel>
-    <cs:lnRef idx="0"/>
-    <cs:fillRef idx="0"/>
-    <cs:effectRef idx="0"/>
-    <cs:fontRef idx="minor">
-      <a:schemeClr val="tx1">
-        <a:lumMod val="65000"/>
-        <a:lumOff val="35000"/>
-      </a:schemeClr>
-    </cs:fontRef>
-    <cs:defRPr sz="900" kern="1200"/>
-  </cs:trendlineLabel>
-  <cs:upBar>
-    <cs:lnRef idx="0"/>
-    <cs:fillRef idx="0"/>
-    <cs:effectRef idx="0"/>
-    <cs:fontRef idx="minor">
-      <a:schemeClr val="tx1"/>
-    </cs:fontRef>
-    <cs:spPr>
-      <a:solidFill>
-        <a:schemeClr val="lt1"/>
-      </a:solidFill>
-      <a:ln w="9525" cap="flat" cmpd="sng" algn="ctr">
-        <a:solidFill>
-          <a:schemeClr val="tx1">
-            <a:lumMod val="65000"/>
-            <a:lumOff val="35000"/>
-          </a:schemeClr>
-        </a:solidFill>
-        <a:round/>
-      </a:ln>
-    </cs:spPr>
-  </cs:upBar>
-  <cs:valueAxis>
-    <cs:lnRef idx="0"/>
-    <cs:fillRef idx="0"/>
-    <cs:effectRef idx="0"/>
-    <cs:fontRef idx="minor">
-      <a:schemeClr val="tx1">
-        <a:lumMod val="65000"/>
-        <a:lumOff val="35000"/>
-      </a:schemeClr>
-    </cs:fontRef>
-    <cs:defRPr sz="900" kern="1200"/>
-  </cs:valueAxis>
-  <cs:wall>
-    <cs:lnRef idx="0"/>
-    <cs:fillRef idx="0"/>
-    <cs:effectRef idx="0"/>
-    <cs:fontRef idx="minor">
-      <a:schemeClr val="tx1"/>
-    </cs:fontRef>
-    <cs:spPr>
-      <a:noFill/>
-      <a:ln>
-        <a:noFill/>
-      </a:ln>
-    </cs:spPr>
-  </cs:wall>
-</cs:chartStyle>
-</file>
-
-<file path=ppt/charts/style6.xml><?xml version="1.0" encoding="utf-8"?>
 <cs:chartStyle xmlns:cs="http://schemas.microsoft.com/office/drawing/2012/chartStyle" xmlns:a="http://schemas.openxmlformats.org/drawingml/2006/main" id="203">
   <cs:axisTitle>
     <cs:lnRef idx="0"/>
@@ -14277,7 +13766,7 @@
 </cs:chartStyle>
 </file>
 
-<file path=ppt/charts/style7.xml><?xml version="1.0" encoding="utf-8"?>
+<file path=ppt/charts/style6.xml><?xml version="1.0" encoding="utf-8"?>
 <cs:chartStyle xmlns:cs="http://schemas.microsoft.com/office/drawing/2012/chartStyle" xmlns:a="http://schemas.openxmlformats.org/drawingml/2006/main" id="322">
   <cs:axisTitle>
     <cs:lnRef idx="0"/>
@@ -14793,7 +14282,7 @@
 </cs:chartStyle>
 </file>
 
-<file path=ppt/charts/style8.xml><?xml version="1.0" encoding="utf-8"?>
+<file path=ppt/charts/style7.xml><?xml version="1.0" encoding="utf-8"?>
 <cs:chartStyle xmlns:cs="http://schemas.microsoft.com/office/drawing/2012/chartStyle" xmlns:a="http://schemas.openxmlformats.org/drawingml/2006/main" id="203">
   <cs:axisTitle>
     <cs:lnRef idx="0"/>
@@ -15308,6 +14797,522 @@
     <cs:fontRef idx="minor">
       <a:schemeClr val="dk1"/>
     </cs:fontRef>
+  </cs:wall>
+</cs:chartStyle>
+</file>
+
+<file path=ppt/charts/style8.xml><?xml version="1.0" encoding="utf-8"?>
+<cs:chartStyle xmlns:cs="http://schemas.microsoft.com/office/drawing/2012/chartStyle" xmlns:a="http://schemas.openxmlformats.org/drawingml/2006/main" id="322">
+  <cs:axisTitle>
+    <cs:lnRef idx="0"/>
+    <cs:fillRef idx="0"/>
+    <cs:effectRef idx="0"/>
+    <cs:fontRef idx="minor">
+      <a:schemeClr val="tx1">
+        <a:lumMod val="65000"/>
+        <a:lumOff val="35000"/>
+      </a:schemeClr>
+    </cs:fontRef>
+    <cs:defRPr sz="1000" kern="1200"/>
+  </cs:axisTitle>
+  <cs:categoryAxis>
+    <cs:lnRef idx="0"/>
+    <cs:fillRef idx="0"/>
+    <cs:effectRef idx="0"/>
+    <cs:fontRef idx="minor">
+      <a:schemeClr val="tx1">
+        <a:lumMod val="65000"/>
+        <a:lumOff val="35000"/>
+      </a:schemeClr>
+    </cs:fontRef>
+    <cs:spPr>
+      <a:ln w="9525" cap="flat" cmpd="sng" algn="ctr">
+        <a:solidFill>
+          <a:schemeClr val="tx1">
+            <a:lumMod val="15000"/>
+            <a:lumOff val="85000"/>
+          </a:schemeClr>
+        </a:solidFill>
+        <a:round/>
+      </a:ln>
+    </cs:spPr>
+    <cs:defRPr sz="900" kern="1200"/>
+  </cs:categoryAxis>
+  <cs:chartArea mods="allowNoFillOverride allowNoLineOverride">
+    <cs:lnRef idx="0"/>
+    <cs:fillRef idx="0"/>
+    <cs:effectRef idx="0"/>
+    <cs:fontRef idx="minor">
+      <a:schemeClr val="tx1"/>
+    </cs:fontRef>
+    <cs:spPr>
+      <a:solidFill>
+        <a:schemeClr val="bg1"/>
+      </a:solidFill>
+      <a:ln w="9525" cap="flat" cmpd="sng" algn="ctr">
+        <a:solidFill>
+          <a:schemeClr val="tx1">
+            <a:lumMod val="15000"/>
+            <a:lumOff val="85000"/>
+          </a:schemeClr>
+        </a:solidFill>
+        <a:round/>
+      </a:ln>
+    </cs:spPr>
+    <cs:defRPr sz="1000" kern="1200"/>
+  </cs:chartArea>
+  <cs:dataLabel>
+    <cs:lnRef idx="0"/>
+    <cs:fillRef idx="0"/>
+    <cs:effectRef idx="0"/>
+    <cs:fontRef idx="minor">
+      <a:schemeClr val="tx1">
+        <a:lumMod val="75000"/>
+        <a:lumOff val="25000"/>
+      </a:schemeClr>
+    </cs:fontRef>
+    <cs:defRPr sz="900" kern="1200"/>
+  </cs:dataLabel>
+  <cs:dataLabelCallout>
+    <cs:lnRef idx="0"/>
+    <cs:fillRef idx="0"/>
+    <cs:effectRef idx="0"/>
+    <cs:fontRef idx="minor">
+      <a:schemeClr val="dk1">
+        <a:lumMod val="65000"/>
+        <a:lumOff val="35000"/>
+      </a:schemeClr>
+    </cs:fontRef>
+    <cs:spPr>
+      <a:solidFill>
+        <a:schemeClr val="lt1"/>
+      </a:solidFill>
+      <a:ln>
+        <a:solidFill>
+          <a:schemeClr val="dk1">
+            <a:lumMod val="25000"/>
+            <a:lumOff val="75000"/>
+          </a:schemeClr>
+        </a:solidFill>
+      </a:ln>
+    </cs:spPr>
+    <cs:defRPr sz="900" kern="1200"/>
+    <cs:bodyPr rot="0" spcFirstLastPara="1" vertOverflow="clip" horzOverflow="clip" vert="horz" wrap="square" lIns="36576" tIns="18288" rIns="36576" bIns="18288" anchor="ctr" anchorCtr="1">
+      <a:spAutoFit/>
+    </cs:bodyPr>
+  </cs:dataLabelCallout>
+  <cs:dataPoint>
+    <cs:lnRef idx="0"/>
+    <cs:fillRef idx="1">
+      <cs:styleClr val="auto"/>
+    </cs:fillRef>
+    <cs:effectRef idx="0"/>
+    <cs:fontRef idx="minor">
+      <a:schemeClr val="tx1"/>
+    </cs:fontRef>
+  </cs:dataPoint>
+  <cs:dataPoint3D>
+    <cs:lnRef idx="0"/>
+    <cs:fillRef idx="1">
+      <cs:styleClr val="auto"/>
+    </cs:fillRef>
+    <cs:effectRef idx="0"/>
+    <cs:fontRef idx="minor">
+      <a:schemeClr val="tx1"/>
+    </cs:fontRef>
+  </cs:dataPoint3D>
+  <cs:dataPointLine>
+    <cs:lnRef idx="0">
+      <cs:styleClr val="auto"/>
+    </cs:lnRef>
+    <cs:fillRef idx="1"/>
+    <cs:effectRef idx="0"/>
+    <cs:fontRef idx="minor">
+      <a:schemeClr val="tx1"/>
+    </cs:fontRef>
+    <cs:spPr>
+      <a:ln w="28575" cap="rnd">
+        <a:solidFill>
+          <a:schemeClr val="phClr"/>
+        </a:solidFill>
+        <a:round/>
+      </a:ln>
+    </cs:spPr>
+  </cs:dataPointLine>
+  <cs:dataPointMarker>
+    <cs:lnRef idx="0">
+      <cs:styleClr val="auto"/>
+    </cs:lnRef>
+    <cs:fillRef idx="1">
+      <cs:styleClr val="auto"/>
+    </cs:fillRef>
+    <cs:effectRef idx="0"/>
+    <cs:fontRef idx="minor">
+      <a:schemeClr val="tx1"/>
+    </cs:fontRef>
+    <cs:spPr>
+      <a:ln w="9525">
+        <a:solidFill>
+          <a:schemeClr val="phClr"/>
+        </a:solidFill>
+      </a:ln>
+    </cs:spPr>
+  </cs:dataPointMarker>
+  <cs:dataPointMarkerLayout symbol="circle" size="5"/>
+  <cs:dataPointWireframe>
+    <cs:lnRef idx="0">
+      <cs:styleClr val="auto"/>
+    </cs:lnRef>
+    <cs:fillRef idx="1"/>
+    <cs:effectRef idx="0"/>
+    <cs:fontRef idx="minor">
+      <a:schemeClr val="tx1"/>
+    </cs:fontRef>
+    <cs:spPr>
+      <a:ln w="9525" cap="rnd">
+        <a:solidFill>
+          <a:schemeClr val="phClr"/>
+        </a:solidFill>
+        <a:round/>
+      </a:ln>
+    </cs:spPr>
+  </cs:dataPointWireframe>
+  <cs:dataTable>
+    <cs:lnRef idx="0"/>
+    <cs:fillRef idx="0"/>
+    <cs:effectRef idx="0"/>
+    <cs:fontRef idx="minor">
+      <a:schemeClr val="tx1">
+        <a:lumMod val="65000"/>
+        <a:lumOff val="35000"/>
+      </a:schemeClr>
+    </cs:fontRef>
+    <cs:spPr>
+      <a:noFill/>
+      <a:ln w="9525" cap="flat" cmpd="sng" algn="ctr">
+        <a:solidFill>
+          <a:schemeClr val="tx1">
+            <a:lumMod val="15000"/>
+            <a:lumOff val="85000"/>
+          </a:schemeClr>
+        </a:solidFill>
+        <a:round/>
+      </a:ln>
+    </cs:spPr>
+    <cs:defRPr sz="900" kern="1200"/>
+  </cs:dataTable>
+  <cs:downBar>
+    <cs:lnRef idx="0"/>
+    <cs:fillRef idx="0"/>
+    <cs:effectRef idx="0"/>
+    <cs:fontRef idx="minor">
+      <a:schemeClr val="tx1"/>
+    </cs:fontRef>
+    <cs:spPr>
+      <a:solidFill>
+        <a:schemeClr val="dk1">
+          <a:lumMod val="75000"/>
+          <a:lumOff val="25000"/>
+        </a:schemeClr>
+      </a:solidFill>
+      <a:ln w="9525" cap="flat" cmpd="sng" algn="ctr">
+        <a:solidFill>
+          <a:schemeClr val="tx1">
+            <a:lumMod val="65000"/>
+            <a:lumOff val="35000"/>
+          </a:schemeClr>
+        </a:solidFill>
+        <a:round/>
+      </a:ln>
+    </cs:spPr>
+  </cs:downBar>
+  <cs:dropLine>
+    <cs:lnRef idx="0"/>
+    <cs:fillRef idx="0"/>
+    <cs:effectRef idx="0"/>
+    <cs:fontRef idx="minor">
+      <a:schemeClr val="tx1"/>
+    </cs:fontRef>
+    <cs:spPr>
+      <a:ln w="9525" cap="flat" cmpd="sng" algn="ctr">
+        <a:solidFill>
+          <a:schemeClr val="tx1">
+            <a:lumMod val="35000"/>
+            <a:lumOff val="65000"/>
+          </a:schemeClr>
+        </a:solidFill>
+        <a:round/>
+      </a:ln>
+    </cs:spPr>
+  </cs:dropLine>
+  <cs:errorBar>
+    <cs:lnRef idx="0"/>
+    <cs:fillRef idx="0"/>
+    <cs:effectRef idx="0"/>
+    <cs:fontRef idx="minor">
+      <a:schemeClr val="tx1"/>
+    </cs:fontRef>
+    <cs:spPr>
+      <a:ln w="9525" cap="flat" cmpd="sng" algn="ctr">
+        <a:solidFill>
+          <a:schemeClr val="tx1">
+            <a:lumMod val="65000"/>
+            <a:lumOff val="35000"/>
+          </a:schemeClr>
+        </a:solidFill>
+        <a:round/>
+      </a:ln>
+    </cs:spPr>
+  </cs:errorBar>
+  <cs:floor>
+    <cs:lnRef idx="0"/>
+    <cs:fillRef idx="0"/>
+    <cs:effectRef idx="0"/>
+    <cs:fontRef idx="minor">
+      <a:schemeClr val="tx1"/>
+    </cs:fontRef>
+    <cs:spPr>
+      <a:noFill/>
+      <a:ln>
+        <a:noFill/>
+      </a:ln>
+    </cs:spPr>
+  </cs:floor>
+  <cs:gridlineMajor>
+    <cs:lnRef idx="0"/>
+    <cs:fillRef idx="0"/>
+    <cs:effectRef idx="0"/>
+    <cs:fontRef idx="minor">
+      <a:schemeClr val="tx1"/>
+    </cs:fontRef>
+    <cs:spPr>
+      <a:ln w="9525" cap="flat" cmpd="sng" algn="ctr">
+        <a:solidFill>
+          <a:schemeClr val="tx1">
+            <a:lumMod val="15000"/>
+            <a:lumOff val="85000"/>
+          </a:schemeClr>
+        </a:solidFill>
+        <a:round/>
+      </a:ln>
+    </cs:spPr>
+  </cs:gridlineMajor>
+  <cs:gridlineMinor>
+    <cs:lnRef idx="0"/>
+    <cs:fillRef idx="0"/>
+    <cs:effectRef idx="0"/>
+    <cs:fontRef idx="minor">
+      <a:schemeClr val="tx1"/>
+    </cs:fontRef>
+    <cs:spPr>
+      <a:ln w="9525" cap="flat" cmpd="sng" algn="ctr">
+        <a:solidFill>
+          <a:schemeClr val="tx1">
+            <a:lumMod val="5000"/>
+            <a:lumOff val="95000"/>
+          </a:schemeClr>
+        </a:solidFill>
+        <a:round/>
+      </a:ln>
+    </cs:spPr>
+  </cs:gridlineMinor>
+  <cs:hiLoLine>
+    <cs:lnRef idx="0"/>
+    <cs:fillRef idx="0"/>
+    <cs:effectRef idx="0"/>
+    <cs:fontRef idx="minor">
+      <a:schemeClr val="tx1"/>
+    </cs:fontRef>
+    <cs:spPr>
+      <a:ln w="9525" cap="flat" cmpd="sng" algn="ctr">
+        <a:solidFill>
+          <a:schemeClr val="tx1">
+            <a:lumMod val="75000"/>
+            <a:lumOff val="25000"/>
+          </a:schemeClr>
+        </a:solidFill>
+        <a:round/>
+      </a:ln>
+    </cs:spPr>
+  </cs:hiLoLine>
+  <cs:leaderLine>
+    <cs:lnRef idx="0"/>
+    <cs:fillRef idx="0"/>
+    <cs:effectRef idx="0"/>
+    <cs:fontRef idx="minor">
+      <a:schemeClr val="tx1"/>
+    </cs:fontRef>
+    <cs:spPr>
+      <a:ln w="9525" cap="flat" cmpd="sng" algn="ctr">
+        <a:solidFill>
+          <a:schemeClr val="tx1">
+            <a:lumMod val="35000"/>
+            <a:lumOff val="65000"/>
+          </a:schemeClr>
+        </a:solidFill>
+        <a:round/>
+      </a:ln>
+    </cs:spPr>
+  </cs:leaderLine>
+  <cs:legend>
+    <cs:lnRef idx="0"/>
+    <cs:fillRef idx="0"/>
+    <cs:effectRef idx="0"/>
+    <cs:fontRef idx="minor">
+      <a:schemeClr val="tx1">
+        <a:lumMod val="65000"/>
+        <a:lumOff val="35000"/>
+      </a:schemeClr>
+    </cs:fontRef>
+    <cs:defRPr sz="900" kern="1200"/>
+  </cs:legend>
+  <cs:plotArea mods="allowNoFillOverride allowNoLineOverride">
+    <cs:lnRef idx="0"/>
+    <cs:fillRef idx="0"/>
+    <cs:effectRef idx="0"/>
+    <cs:fontRef idx="minor">
+      <a:schemeClr val="tx1"/>
+    </cs:fontRef>
+  </cs:plotArea>
+  <cs:plotArea3D mods="allowNoFillOverride allowNoLineOverride">
+    <cs:lnRef idx="0"/>
+    <cs:fillRef idx="0"/>
+    <cs:effectRef idx="0"/>
+    <cs:fontRef idx="minor">
+      <a:schemeClr val="tx1"/>
+    </cs:fontRef>
+  </cs:plotArea3D>
+  <cs:seriesAxis>
+    <cs:lnRef idx="0"/>
+    <cs:fillRef idx="0"/>
+    <cs:effectRef idx="0"/>
+    <cs:fontRef idx="minor">
+      <a:schemeClr val="tx1">
+        <a:lumMod val="65000"/>
+        <a:lumOff val="35000"/>
+      </a:schemeClr>
+    </cs:fontRef>
+    <cs:spPr>
+      <a:ln w="9525" cap="flat" cmpd="sng" algn="ctr">
+        <a:solidFill>
+          <a:schemeClr val="tx1">
+            <a:lumMod val="15000"/>
+            <a:lumOff val="85000"/>
+          </a:schemeClr>
+        </a:solidFill>
+        <a:round/>
+      </a:ln>
+    </cs:spPr>
+    <cs:defRPr sz="900" kern="1200"/>
+  </cs:seriesAxis>
+  <cs:seriesLine>
+    <cs:lnRef idx="0"/>
+    <cs:fillRef idx="0"/>
+    <cs:effectRef idx="0"/>
+    <cs:fontRef idx="minor">
+      <a:schemeClr val="tx1"/>
+    </cs:fontRef>
+    <cs:spPr>
+      <a:ln w="9525" cap="flat" cmpd="sng" algn="ctr">
+        <a:solidFill>
+          <a:schemeClr val="tx1">
+            <a:lumMod val="35000"/>
+            <a:lumOff val="65000"/>
+          </a:schemeClr>
+        </a:solidFill>
+        <a:round/>
+      </a:ln>
+    </cs:spPr>
+  </cs:seriesLine>
+  <cs:title>
+    <cs:lnRef idx="0"/>
+    <cs:fillRef idx="0"/>
+    <cs:effectRef idx="0"/>
+    <cs:fontRef idx="minor">
+      <a:schemeClr val="tx1">
+        <a:lumMod val="65000"/>
+        <a:lumOff val="35000"/>
+      </a:schemeClr>
+    </cs:fontRef>
+    <cs:defRPr sz="1400" b="0" kern="1200" spc="0" baseline="0"/>
+  </cs:title>
+  <cs:trendline>
+    <cs:lnRef idx="0">
+      <cs:styleClr val="auto"/>
+    </cs:lnRef>
+    <cs:fillRef idx="0"/>
+    <cs:effectRef idx="0"/>
+    <cs:fontRef idx="minor">
+      <a:schemeClr val="tx1"/>
+    </cs:fontRef>
+    <cs:spPr>
+      <a:ln w="19050" cap="rnd">
+        <a:solidFill>
+          <a:schemeClr val="phClr"/>
+        </a:solidFill>
+        <a:prstDash val="sysDot"/>
+      </a:ln>
+    </cs:spPr>
+  </cs:trendline>
+  <cs:trendlineLabel>
+    <cs:lnRef idx="0"/>
+    <cs:fillRef idx="0"/>
+    <cs:effectRef idx="0"/>
+    <cs:fontRef idx="minor">
+      <a:schemeClr val="tx1">
+        <a:lumMod val="65000"/>
+        <a:lumOff val="35000"/>
+      </a:schemeClr>
+    </cs:fontRef>
+    <cs:defRPr sz="900" kern="1200"/>
+  </cs:trendlineLabel>
+  <cs:upBar>
+    <cs:lnRef idx="0"/>
+    <cs:fillRef idx="0"/>
+    <cs:effectRef idx="0"/>
+    <cs:fontRef idx="minor">
+      <a:schemeClr val="tx1"/>
+    </cs:fontRef>
+    <cs:spPr>
+      <a:solidFill>
+        <a:schemeClr val="lt1"/>
+      </a:solidFill>
+      <a:ln w="9525" cap="flat" cmpd="sng" algn="ctr">
+        <a:solidFill>
+          <a:schemeClr val="tx1">
+            <a:lumMod val="65000"/>
+            <a:lumOff val="35000"/>
+          </a:schemeClr>
+        </a:solidFill>
+        <a:round/>
+      </a:ln>
+    </cs:spPr>
+  </cs:upBar>
+  <cs:valueAxis>
+    <cs:lnRef idx="0"/>
+    <cs:fillRef idx="0"/>
+    <cs:effectRef idx="0"/>
+    <cs:fontRef idx="minor">
+      <a:schemeClr val="tx1">
+        <a:lumMod val="65000"/>
+        <a:lumOff val="35000"/>
+      </a:schemeClr>
+    </cs:fontRef>
+    <cs:defRPr sz="900" kern="1200"/>
+  </cs:valueAxis>
+  <cs:wall>
+    <cs:lnRef idx="0"/>
+    <cs:fillRef idx="0"/>
+    <cs:effectRef idx="0"/>
+    <cs:fontRef idx="minor">
+      <a:schemeClr val="tx1"/>
+    </cs:fontRef>
+    <cs:spPr>
+      <a:noFill/>
+      <a:ln>
+        <a:noFill/>
+      </a:ln>
+    </cs:spPr>
   </cs:wall>
 </cs:chartStyle>
 </file>
@@ -15975,7 +15980,7 @@
           <a:p>
             <a:fld id="{707C2556-ADE0-5D48-84FB-942B7D29F09B}" type="datetimeFigureOut">
               <a:rPr lang="da-DK" smtClean="0"/>
-              <a:t>11.04.2024</a:t>
+              <a:t>17.04.2024</a:t>
             </a:fld>
             <a:endParaRPr lang="da-DK"/>
           </a:p>
@@ -16173,7 +16178,7 @@
           <a:p>
             <a:fld id="{707C2556-ADE0-5D48-84FB-942B7D29F09B}" type="datetimeFigureOut">
               <a:rPr lang="da-DK" smtClean="0"/>
-              <a:t>11.04.2024</a:t>
+              <a:t>17.04.2024</a:t>
             </a:fld>
             <a:endParaRPr lang="da-DK"/>
           </a:p>
@@ -16381,7 +16386,7 @@
           <a:p>
             <a:fld id="{707C2556-ADE0-5D48-84FB-942B7D29F09B}" type="datetimeFigureOut">
               <a:rPr lang="da-DK" smtClean="0"/>
-              <a:t>11.04.2024</a:t>
+              <a:t>17.04.2024</a:t>
             </a:fld>
             <a:endParaRPr lang="da-DK"/>
           </a:p>
@@ -16579,7 +16584,7 @@
           <a:p>
             <a:fld id="{707C2556-ADE0-5D48-84FB-942B7D29F09B}" type="datetimeFigureOut">
               <a:rPr lang="da-DK" smtClean="0"/>
-              <a:t>11.04.2024</a:t>
+              <a:t>17.04.2024</a:t>
             </a:fld>
             <a:endParaRPr lang="da-DK"/>
           </a:p>
@@ -16854,7 +16859,7 @@
           <a:p>
             <a:fld id="{707C2556-ADE0-5D48-84FB-942B7D29F09B}" type="datetimeFigureOut">
               <a:rPr lang="da-DK" smtClean="0"/>
-              <a:t>11.04.2024</a:t>
+              <a:t>17.04.2024</a:t>
             </a:fld>
             <a:endParaRPr lang="da-DK"/>
           </a:p>
@@ -17119,7 +17124,7 @@
           <a:p>
             <a:fld id="{707C2556-ADE0-5D48-84FB-942B7D29F09B}" type="datetimeFigureOut">
               <a:rPr lang="da-DK" smtClean="0"/>
-              <a:t>11.04.2024</a:t>
+              <a:t>17.04.2024</a:t>
             </a:fld>
             <a:endParaRPr lang="da-DK"/>
           </a:p>
@@ -17531,7 +17536,7 @@
           <a:p>
             <a:fld id="{707C2556-ADE0-5D48-84FB-942B7D29F09B}" type="datetimeFigureOut">
               <a:rPr lang="da-DK" smtClean="0"/>
-              <a:t>11.04.2024</a:t>
+              <a:t>17.04.2024</a:t>
             </a:fld>
             <a:endParaRPr lang="da-DK"/>
           </a:p>
@@ -17672,7 +17677,7 @@
           <a:p>
             <a:fld id="{707C2556-ADE0-5D48-84FB-942B7D29F09B}" type="datetimeFigureOut">
               <a:rPr lang="da-DK" smtClean="0"/>
-              <a:t>11.04.2024</a:t>
+              <a:t>17.04.2024</a:t>
             </a:fld>
             <a:endParaRPr lang="da-DK"/>
           </a:p>
@@ -17785,7 +17790,7 @@
           <a:p>
             <a:fld id="{707C2556-ADE0-5D48-84FB-942B7D29F09B}" type="datetimeFigureOut">
               <a:rPr lang="da-DK" smtClean="0"/>
-              <a:t>11.04.2024</a:t>
+              <a:t>17.04.2024</a:t>
             </a:fld>
             <a:endParaRPr lang="da-DK"/>
           </a:p>
@@ -18096,7 +18101,7 @@
           <a:p>
             <a:fld id="{707C2556-ADE0-5D48-84FB-942B7D29F09B}" type="datetimeFigureOut">
               <a:rPr lang="da-DK" smtClean="0"/>
-              <a:t>11.04.2024</a:t>
+              <a:t>17.04.2024</a:t>
             </a:fld>
             <a:endParaRPr lang="da-DK"/>
           </a:p>
@@ -18384,7 +18389,7 @@
           <a:p>
             <a:fld id="{707C2556-ADE0-5D48-84FB-942B7D29F09B}" type="datetimeFigureOut">
               <a:rPr lang="da-DK" smtClean="0"/>
-              <a:t>11.04.2024</a:t>
+              <a:t>17.04.2024</a:t>
             </a:fld>
             <a:endParaRPr lang="da-DK"/>
           </a:p>
@@ -18625,7 +18630,7 @@
           <a:p>
             <a:fld id="{707C2556-ADE0-5D48-84FB-942B7D29F09B}" type="datetimeFigureOut">
               <a:rPr lang="da-DK" smtClean="0"/>
-              <a:t>11.04.2024</a:t>
+              <a:t>17.04.2024</a:t>
             </a:fld>
             <a:endParaRPr lang="da-DK"/>
           </a:p>
@@ -19693,36 +19698,6 @@
       </p:grpSpPr>
       <p:graphicFrame>
         <p:nvGraphicFramePr>
-          <p:cNvPr id="4" name="Chart 2">
-            <a:extLst>
-              <a:ext uri="{FF2B5EF4-FFF2-40B4-BE49-F238E27FC236}">
-                <a16:creationId xmlns:a16="http://schemas.microsoft.com/office/drawing/2014/main" id="{6379E1C4-01BC-E1AE-BA27-79A58F8273AB}"/>
-              </a:ext>
-            </a:extLst>
-          </p:cNvPr>
-          <p:cNvGraphicFramePr>
-            <a:graphicFrameLocks/>
-          </p:cNvGraphicFramePr>
-          <p:nvPr>
-            <p:extLst>
-              <p:ext uri="{D42A27DB-BD31-4B8C-83A1-F6EECF244321}">
-                <p14:modId xmlns:p14="http://schemas.microsoft.com/office/powerpoint/2010/main" val="1258160655"/>
-              </p:ext>
-            </p:extLst>
-          </p:nvPr>
-        </p:nvGraphicFramePr>
-        <p:xfrm>
-          <a:off x="209550" y="2059907"/>
-          <a:ext cx="5042569" cy="2738186"/>
-        </p:xfrm>
-        <a:graphic>
-          <a:graphicData uri="http://schemas.openxmlformats.org/drawingml/2006/chart">
-            <c:chart xmlns:c="http://schemas.openxmlformats.org/drawingml/2006/chart" xmlns:r="http://schemas.openxmlformats.org/officeDocument/2006/relationships" r:id="rId2"/>
-          </a:graphicData>
-        </a:graphic>
-      </p:graphicFrame>
-      <p:graphicFrame>
-        <p:nvGraphicFramePr>
           <p:cNvPr id="5" name="Chart 1">
             <a:extLst>
               <a:ext uri="{FF2B5EF4-FFF2-40B4-BE49-F238E27FC236}">
@@ -19747,7 +19722,7 @@
         </p:xfrm>
         <a:graphic>
           <a:graphicData uri="http://schemas.openxmlformats.org/drawingml/2006/chart">
-            <c:chart xmlns:c="http://schemas.openxmlformats.org/drawingml/2006/chart" xmlns:r="http://schemas.openxmlformats.org/officeDocument/2006/relationships" r:id="rId3"/>
+            <c:chart xmlns:c="http://schemas.openxmlformats.org/drawingml/2006/chart" xmlns:r="http://schemas.openxmlformats.org/officeDocument/2006/relationships" r:id="rId2"/>
           </a:graphicData>
         </a:graphic>
       </p:graphicFrame>
@@ -19786,6 +19761,36 @@
           </a:p>
         </p:txBody>
       </p:sp>
+      <p:graphicFrame>
+        <p:nvGraphicFramePr>
+          <p:cNvPr id="2" name="Chart 2">
+            <a:extLst>
+              <a:ext uri="{FF2B5EF4-FFF2-40B4-BE49-F238E27FC236}">
+                <a16:creationId xmlns:a16="http://schemas.microsoft.com/office/drawing/2014/main" id="{6379E1C4-01BC-E1AE-BA27-79A58F8273AB}"/>
+              </a:ext>
+            </a:extLst>
+          </p:cNvPr>
+          <p:cNvGraphicFramePr>
+            <a:graphicFrameLocks/>
+          </p:cNvGraphicFramePr>
+          <p:nvPr>
+            <p:extLst>
+              <p:ext uri="{D42A27DB-BD31-4B8C-83A1-F6EECF244321}">
+                <p14:modId xmlns:p14="http://schemas.microsoft.com/office/powerpoint/2010/main" val="3035989795"/>
+              </p:ext>
+            </p:extLst>
+          </p:nvPr>
+        </p:nvGraphicFramePr>
+        <p:xfrm>
+          <a:off x="366486" y="2009775"/>
+          <a:ext cx="5080000" cy="2838450"/>
+        </p:xfrm>
+        <a:graphic>
+          <a:graphicData uri="http://schemas.openxmlformats.org/drawingml/2006/chart">
+            <c:chart xmlns:c="http://schemas.openxmlformats.org/drawingml/2006/chart" xmlns:r="http://schemas.openxmlformats.org/officeDocument/2006/relationships" r:id="rId3"/>
+          </a:graphicData>
+        </a:graphic>
+      </p:graphicFrame>
     </p:spTree>
     <p:extLst>
       <p:ext uri="{BB962C8B-B14F-4D97-AF65-F5344CB8AC3E}">
@@ -19830,7 +19835,7 @@
                                           </p:stCondLst>
                                         </p:cTn>
                                         <p:tgtEl>
-                                          <p:spTgt spid="4"/>
+                                          <p:spTgt spid="2"/>
                                         </p:tgtEl>
                                         <p:attrNameLst>
                                           <p:attrName>style.visibility</p:attrName>
@@ -19846,7 +19851,7 @@
                                       <p:cBhvr override="childStyle">
                                         <p:cTn dur="1" fill="hold" display="0" masterRel="nextClick" afterEffect="1"/>
                                         <p:tgtEl>
-                                          <p:spTgt spid="4"/>
+                                          <p:spTgt spid="2"/>
                                         </p:tgtEl>
                                         <p:attrNameLst>
                                           <p:attrName>style.visibility</p:attrName>
@@ -19932,10 +19937,10 @@
       </p:par>
     </p:tnLst>
     <p:bldLst>
-      <p:bldGraphic spid="4" grpId="0">
+      <p:bldGraphic spid="5" grpId="0">
         <p:bldAsOne/>
       </p:bldGraphic>
-      <p:bldGraphic spid="5" grpId="0">
+      <p:bldGraphic spid="2" grpId="0">
         <p:bldAsOne/>
       </p:bldGraphic>
     </p:bldLst>
@@ -19962,30 +19967,6 @@
       </p:grpSpPr>
       <p:graphicFrame>
         <p:nvGraphicFramePr>
-          <p:cNvPr id="4" name="Chart 2">
-            <a:extLst>
-              <a:ext uri="{FF2B5EF4-FFF2-40B4-BE49-F238E27FC236}">
-                <a16:creationId xmlns:a16="http://schemas.microsoft.com/office/drawing/2014/main" id="{6379E1C4-01BC-E1AE-BA27-79A58F8273AB}"/>
-              </a:ext>
-            </a:extLst>
-          </p:cNvPr>
-          <p:cNvGraphicFramePr>
-            <a:graphicFrameLocks/>
-          </p:cNvGraphicFramePr>
-          <p:nvPr/>
-        </p:nvGraphicFramePr>
-        <p:xfrm>
-          <a:off x="209550" y="2059907"/>
-          <a:ext cx="5042569" cy="2738186"/>
-        </p:xfrm>
-        <a:graphic>
-          <a:graphicData uri="http://schemas.openxmlformats.org/drawingml/2006/chart">
-            <c:chart xmlns:c="http://schemas.openxmlformats.org/drawingml/2006/chart" xmlns:r="http://schemas.openxmlformats.org/officeDocument/2006/relationships" r:id="rId2"/>
-          </a:graphicData>
-        </a:graphic>
-      </p:graphicFrame>
-      <p:graphicFrame>
-        <p:nvGraphicFramePr>
           <p:cNvPr id="5" name="Chart 1">
             <a:extLst>
               <a:ext uri="{FF2B5EF4-FFF2-40B4-BE49-F238E27FC236}">
@@ -20004,16 +19985,16 @@
         </p:xfrm>
         <a:graphic>
           <a:graphicData uri="http://schemas.openxmlformats.org/drawingml/2006/chart">
-            <c:chart xmlns:c="http://schemas.openxmlformats.org/drawingml/2006/chart" xmlns:r="http://schemas.openxmlformats.org/officeDocument/2006/relationships" r:id="rId3"/>
+            <c:chart xmlns:c="http://schemas.openxmlformats.org/drawingml/2006/chart" xmlns:r="http://schemas.openxmlformats.org/officeDocument/2006/relationships" r:id="rId2"/>
           </a:graphicData>
         </a:graphic>
       </p:graphicFrame>
       <p:sp>
         <p:nvSpPr>
-          <p:cNvPr id="2" name="Tekstfelt 1">
+          <p:cNvPr id="6" name="Tekstfelt 5">
             <a:extLst>
               <a:ext uri="{FF2B5EF4-FFF2-40B4-BE49-F238E27FC236}">
-                <a16:creationId xmlns:a16="http://schemas.microsoft.com/office/drawing/2014/main" id="{26F3AD42-F808-1E74-3C04-9E6A0F6CFC88}"/>
+                <a16:creationId xmlns:a16="http://schemas.microsoft.com/office/drawing/2014/main" id="{17EEF35A-42AD-E127-69EF-8CCBA6327F6A}"/>
               </a:ext>
             </a:extLst>
           </p:cNvPr>
@@ -20043,10 +20024,34 @@
           </a:p>
         </p:txBody>
       </p:sp>
+      <p:graphicFrame>
+        <p:nvGraphicFramePr>
+          <p:cNvPr id="2" name="Chart 2">
+            <a:extLst>
+              <a:ext uri="{FF2B5EF4-FFF2-40B4-BE49-F238E27FC236}">
+                <a16:creationId xmlns:a16="http://schemas.microsoft.com/office/drawing/2014/main" id="{6379E1C4-01BC-E1AE-BA27-79A58F8273AB}"/>
+              </a:ext>
+            </a:extLst>
+          </p:cNvPr>
+          <p:cNvGraphicFramePr>
+            <a:graphicFrameLocks/>
+          </p:cNvGraphicFramePr>
+          <p:nvPr/>
+        </p:nvGraphicFramePr>
+        <p:xfrm>
+          <a:off x="366486" y="2009775"/>
+          <a:ext cx="5080000" cy="2838450"/>
+        </p:xfrm>
+        <a:graphic>
+          <a:graphicData uri="http://schemas.openxmlformats.org/drawingml/2006/chart">
+            <c:chart xmlns:c="http://schemas.openxmlformats.org/drawingml/2006/chart" xmlns:r="http://schemas.openxmlformats.org/officeDocument/2006/relationships" r:id="rId3"/>
+          </a:graphicData>
+        </a:graphic>
+      </p:graphicFrame>
     </p:spTree>
     <p:extLst>
       <p:ext uri="{BB962C8B-B14F-4D97-AF65-F5344CB8AC3E}">
-        <p14:creationId xmlns:p14="http://schemas.microsoft.com/office/powerpoint/2010/main" val="548338983"/>
+        <p14:creationId xmlns:p14="http://schemas.microsoft.com/office/powerpoint/2010/main" val="1397807689"/>
       </p:ext>
     </p:extLst>
   </p:cSld>
